--- a/Database Project.pptx
+++ b/Database Project.pptx
@@ -11,11 +11,11 @@
     <p:sldId id="269" r:id="rId8"/>
     <p:sldId id="273" r:id="rId9"/>
     <p:sldId id="274" r:id="rId10"/>
-    <p:sldId id="275" r:id="rId11"/>
+    <p:sldId id="278" r:id="rId11"/>
     <p:sldId id="276" r:id="rId12"/>
     <p:sldId id="277" r:id="rId13"/>
-    <p:sldId id="278" r:id="rId14"/>
-    <p:sldId id="279" r:id="rId15"/>
+    <p:sldId id="279" r:id="rId14"/>
+    <p:sldId id="275" r:id="rId15"/>
     <p:sldId id="280" r:id="rId16"/>
   </p:sldIdLst>
   <p:sldSz cx="12192000" cy="6858000"/>
@@ -270,7 +270,7 @@
           <a:p>
             <a:fld id="{9184DA70-C731-4C70-880D-CCD4705E623C}" type="datetime1">
               <a:rPr lang="en-US" smtClean="0"/>
-              <a:t>3/16/2023</a:t>
+              <a:t>3/27/2023</a:t>
             </a:fld>
             <a:endParaRPr lang="en-US" dirty="0"/>
           </a:p>
@@ -468,7 +468,7 @@
           <a:p>
             <a:fld id="{62D6E202-B606-4609-B914-27C9371A1F6D}" type="datetime1">
               <a:rPr lang="en-US" smtClean="0"/>
-              <a:t>3/16/2023</a:t>
+              <a:t>3/27/2023</a:t>
             </a:fld>
             <a:endParaRPr lang="en-US" dirty="0"/>
           </a:p>
@@ -677,7 +677,7 @@
           <a:p>
             <a:fld id="{62D6E202-B606-4609-B914-27C9371A1F6D}" type="datetime1">
               <a:rPr lang="en-US" smtClean="0"/>
-              <a:t>3/16/2023</a:t>
+              <a:t>3/27/2023</a:t>
             </a:fld>
             <a:endParaRPr lang="en-US" dirty="0"/>
           </a:p>
@@ -876,7 +876,7 @@
           <a:p>
             <a:fld id="{4BE1D723-8F53-4F53-90B0-1982A396982E}" type="datetime1">
               <a:rPr lang="en-US" smtClean="0"/>
-              <a:t>3/16/2023</a:t>
+              <a:t>3/27/2023</a:t>
             </a:fld>
             <a:endParaRPr lang="en-US" dirty="0"/>
           </a:p>
@@ -1151,7 +1151,7 @@
           <a:p>
             <a:fld id="{97669AF7-7BEB-44E4-9852-375E34362B5B}" type="datetime1">
               <a:rPr lang="en-US" smtClean="0"/>
-              <a:t>3/16/2023</a:t>
+              <a:t>3/27/2023</a:t>
             </a:fld>
             <a:endParaRPr lang="en-US" dirty="0"/>
           </a:p>
@@ -1416,7 +1416,7 @@
           <a:p>
             <a:fld id="{BAAAC38D-0552-4C82-B593-E6124DFADBE2}" type="datetime1">
               <a:rPr lang="en-US" smtClean="0"/>
-              <a:t>3/16/2023</a:t>
+              <a:t>3/27/2023</a:t>
             </a:fld>
             <a:endParaRPr lang="en-US" dirty="0"/>
           </a:p>
@@ -1828,7 +1828,7 @@
           <a:p>
             <a:fld id="{62D6E202-B606-4609-B914-27C9371A1F6D}" type="datetime1">
               <a:rPr lang="en-US" smtClean="0"/>
-              <a:t>3/16/2023</a:t>
+              <a:t>3/27/2023</a:t>
             </a:fld>
             <a:endParaRPr lang="en-US" dirty="0"/>
           </a:p>
@@ -1970,7 +1970,7 @@
           <a:p>
             <a:fld id="{1775B394-D9F9-4F0C-B15D-605F45CB9E9F}" type="datetime1">
               <a:rPr lang="en-US" smtClean="0"/>
-              <a:t>3/16/2023</a:t>
+              <a:t>3/27/2023</a:t>
             </a:fld>
             <a:endParaRPr lang="en-US" dirty="0"/>
           </a:p>
@@ -2083,7 +2083,7 @@
           <a:p>
             <a:fld id="{39667345-2558-425A-8533-9BFDBCE15005}" type="datetime1">
               <a:rPr lang="en-US" smtClean="0"/>
-              <a:t>3/16/2023</a:t>
+              <a:t>3/27/2023</a:t>
             </a:fld>
             <a:endParaRPr lang="en-US" dirty="0"/>
           </a:p>
@@ -2394,7 +2394,7 @@
           <a:p>
             <a:fld id="{92BEA474-078D-4E9B-9B14-09A87B19DC46}" type="datetime1">
               <a:rPr lang="en-US" smtClean="0"/>
-              <a:t>3/16/2023</a:t>
+              <a:t>3/27/2023</a:t>
             </a:fld>
             <a:endParaRPr lang="en-US" dirty="0"/>
           </a:p>
@@ -2683,7 +2683,7 @@
           <a:p>
             <a:fld id="{4907D986-8816-4272-A432-0437A28A9828}" type="datetime1">
               <a:rPr lang="en-US" smtClean="0"/>
-              <a:t>3/16/2023</a:t>
+              <a:t>3/27/2023</a:t>
             </a:fld>
             <a:endParaRPr lang="en-US" dirty="0"/>
           </a:p>
@@ -2925,7 +2925,7 @@
           <a:p>
             <a:fld id="{62D6E202-B606-4609-B914-27C9371A1F6D}" type="datetime1">
               <a:rPr lang="en-US" smtClean="0"/>
-              <a:t>3/16/2023</a:t>
+              <a:t>3/27/2023</a:t>
             </a:fld>
             <a:endParaRPr lang="en-US" dirty="0"/>
           </a:p>
@@ -3331,32 +3331,9 @@
   <p:cSld>
     <p:bg>
       <p:bgPr>
-        <a:gradFill>
-          <a:gsLst>
-            <a:gs pos="0">
-              <a:srgbClr val="9CDCDB"/>
-            </a:gs>
-            <a:gs pos="74000">
-              <a:schemeClr val="accent6">
-                <a:lumMod val="45000"/>
-                <a:lumOff val="55000"/>
-              </a:schemeClr>
-            </a:gs>
-            <a:gs pos="83000">
-              <a:schemeClr val="accent6">
-                <a:lumMod val="45000"/>
-                <a:lumOff val="55000"/>
-              </a:schemeClr>
-            </a:gs>
-            <a:gs pos="100000">
-              <a:schemeClr val="accent6">
-                <a:lumMod val="30000"/>
-                <a:lumOff val="70000"/>
-              </a:schemeClr>
-            </a:gs>
-          </a:gsLst>
-          <a:lin ang="5400000" scaled="1"/>
-        </a:gradFill>
+        <a:solidFill>
+          <a:schemeClr val="bg1"/>
+        </a:solidFill>
         <a:effectLst/>
       </p:bgPr>
     </p:bg>
@@ -3637,7 +3614,7 @@
         </p:nvSpPr>
         <p:spPr>
           <a:xfrm>
-            <a:off x="6532681" y="4649629"/>
+            <a:off x="6605221" y="5125532"/>
             <a:ext cx="2681653" cy="1231106"/>
           </a:xfrm>
           <a:prstGeom prst="rect">
@@ -3693,7 +3670,7 @@
         </p:nvSpPr>
         <p:spPr>
           <a:xfrm>
-            <a:off x="6532680" y="5634276"/>
+            <a:off x="9422182" y="3863648"/>
             <a:ext cx="2681653" cy="1231106"/>
           </a:xfrm>
           <a:prstGeom prst="rect">
@@ -3762,7 +3739,7 @@
         </p:nvSpPr>
         <p:spPr>
           <a:xfrm>
-            <a:off x="6532681" y="3697129"/>
+            <a:off x="6605220" y="3863648"/>
             <a:ext cx="2681653" cy="1231106"/>
           </a:xfrm>
           <a:prstGeom prst="rect">
@@ -3816,6 +3793,62 @@
             <a:r>
               <a:rPr lang="en-US" sz="1400" dirty="0"/>
               <a:t>ID No: UG02-56-21-001</a:t>
+            </a:r>
+          </a:p>
+          <a:p>
+            <a:r>
+              <a:rPr lang="en-US" sz="1400" dirty="0"/>
+              <a:t>Batch: 56</a:t>
+            </a:r>
+          </a:p>
+          <a:p>
+            <a:r>
+              <a:rPr lang="en-US" sz="1400" dirty="0"/>
+              <a:t>Session: Spring 2023</a:t>
+            </a:r>
+          </a:p>
+          <a:p>
+            <a:endParaRPr lang="en-US" dirty="0"/>
+          </a:p>
+        </p:txBody>
+      </p:sp>
+      <p:sp>
+        <p:nvSpPr>
+          <p:cNvPr id="9" name="TextBox 8">
+            <a:extLst>
+              <a:ext uri="{FF2B5EF4-FFF2-40B4-BE49-F238E27FC236}">
+                <a16:creationId xmlns:a16="http://schemas.microsoft.com/office/drawing/2014/main" id="{9E4AB483-D547-1E25-B513-4481A35FC83B}"/>
+              </a:ext>
+            </a:extLst>
+          </p:cNvPr>
+          <p:cNvSpPr txBox="1"/>
+          <p:nvPr/>
+        </p:nvSpPr>
+        <p:spPr>
+          <a:xfrm>
+            <a:off x="9422181" y="5125532"/>
+            <a:ext cx="2681653" cy="1231106"/>
+          </a:xfrm>
+          <a:prstGeom prst="rect">
+            <a:avLst/>
+          </a:prstGeom>
+          <a:noFill/>
+        </p:spPr>
+        <p:txBody>
+          <a:bodyPr wrap="square" rtlCol="0">
+            <a:spAutoFit/>
+          </a:bodyPr>
+          <a:lstStyle/>
+          <a:p>
+            <a:r>
+              <a:rPr lang="en-US" sz="1400" dirty="0"/>
+              <a:t>Name: Akash Halder</a:t>
+            </a:r>
+          </a:p>
+          <a:p>
+            <a:r>
+              <a:rPr lang="en-US" sz="1400" dirty="0"/>
+              <a:t>ID No: UG02-56-21-005</a:t>
             </a:r>
           </a:p>
           <a:p>
@@ -4267,6 +4300,59 @@
                       </p:childTnLst>
                     </p:cTn>
                   </p:par>
+                  <p:par>
+                    <p:cTn id="36" fill="hold">
+                      <p:stCondLst>
+                        <p:cond delay="indefinite"/>
+                      </p:stCondLst>
+                      <p:childTnLst>
+                        <p:par>
+                          <p:cTn id="37" fill="hold">
+                            <p:stCondLst>
+                              <p:cond delay="0"/>
+                            </p:stCondLst>
+                            <p:childTnLst>
+                              <p:par>
+                                <p:cTn id="38" presetID="21" presetClass="entr" presetSubtype="1" fill="hold" grpId="0" nodeType="clickEffect">
+                                  <p:stCondLst>
+                                    <p:cond delay="0"/>
+                                  </p:stCondLst>
+                                  <p:childTnLst>
+                                    <p:set>
+                                      <p:cBhvr>
+                                        <p:cTn id="39" dur="1" fill="hold">
+                                          <p:stCondLst>
+                                            <p:cond delay="0"/>
+                                          </p:stCondLst>
+                                        </p:cTn>
+                                        <p:tgtEl>
+                                          <p:spTgt spid="9"/>
+                                        </p:tgtEl>
+                                        <p:attrNameLst>
+                                          <p:attrName>style.visibility</p:attrName>
+                                        </p:attrNameLst>
+                                      </p:cBhvr>
+                                      <p:to>
+                                        <p:strVal val="visible"/>
+                                      </p:to>
+                                    </p:set>
+                                    <p:animEffect transition="in" filter="wheel(1)">
+                                      <p:cBhvr>
+                                        <p:cTn id="40" dur="500"/>
+                                        <p:tgtEl>
+                                          <p:spTgt spid="9"/>
+                                        </p:tgtEl>
+                                      </p:cBhvr>
+                                    </p:animEffect>
+                                  </p:childTnLst>
+                                </p:cTn>
+                              </p:par>
+                            </p:childTnLst>
+                          </p:cTn>
+                        </p:par>
+                      </p:childTnLst>
+                    </p:cTn>
+                  </p:par>
                 </p:childTnLst>
               </p:cTn>
               <p:prevCondLst>
@@ -4295,143 +4381,13 @@
       <p:bldP spid="7" grpId="0"/>
       <p:bldP spid="8" grpId="0"/>
       <p:bldP spid="10" grpId="0"/>
+      <p:bldP spid="9" grpId="0"/>
     </p:bldLst>
   </p:timing>
 </p:sld>
 </file>
 
 <file path=ppt/slides/slide10.xml><?xml version="1.0" encoding="utf-8"?>
-<p:sld xmlns:a="http://schemas.openxmlformats.org/drawingml/2006/main" xmlns:r="http://schemas.openxmlformats.org/officeDocument/2006/relationships" xmlns:p="http://schemas.openxmlformats.org/presentationml/2006/main">
-  <p:cSld>
-    <p:bg>
-      <p:bgPr>
-        <a:gradFill flip="none" rotWithShape="1">
-          <a:gsLst>
-            <a:gs pos="0">
-              <a:schemeClr val="accent6">
-                <a:lumMod val="5000"/>
-                <a:lumOff val="95000"/>
-              </a:schemeClr>
-            </a:gs>
-            <a:gs pos="74000">
-              <a:schemeClr val="accent6">
-                <a:lumMod val="45000"/>
-                <a:lumOff val="55000"/>
-              </a:schemeClr>
-            </a:gs>
-            <a:gs pos="83000">
-              <a:schemeClr val="accent6">
-                <a:lumMod val="45000"/>
-                <a:lumOff val="55000"/>
-              </a:schemeClr>
-            </a:gs>
-            <a:gs pos="100000">
-              <a:schemeClr val="accent6">
-                <a:lumMod val="30000"/>
-                <a:lumOff val="70000"/>
-              </a:schemeClr>
-            </a:gs>
-          </a:gsLst>
-          <a:lin ang="5400000" scaled="1"/>
-          <a:tileRect/>
-        </a:gradFill>
-        <a:effectLst/>
-      </p:bgPr>
-    </p:bg>
-    <p:spTree>
-      <p:nvGrpSpPr>
-        <p:cNvPr id="1" name=""/>
-        <p:cNvGrpSpPr/>
-        <p:nvPr/>
-      </p:nvGrpSpPr>
-      <p:grpSpPr>
-        <a:xfrm>
-          <a:off x="0" y="0"/>
-          <a:ext cx="0" cy="0"/>
-          <a:chOff x="0" y="0"/>
-          <a:chExt cx="0" cy="0"/>
-        </a:xfrm>
-      </p:grpSpPr>
-      <p:sp>
-        <p:nvSpPr>
-          <p:cNvPr id="2" name="TextBox 1">
-            <a:extLst>
-              <a:ext uri="{FF2B5EF4-FFF2-40B4-BE49-F238E27FC236}">
-                <a16:creationId xmlns:a16="http://schemas.microsoft.com/office/drawing/2014/main" id="{76DB8EDF-528F-7F21-B76F-14749AF670DD}"/>
-              </a:ext>
-            </a:extLst>
-          </p:cNvPr>
-          <p:cNvSpPr txBox="1"/>
-          <p:nvPr/>
-        </p:nvSpPr>
-        <p:spPr>
-          <a:xfrm>
-            <a:off x="5548045" y="565079"/>
-            <a:ext cx="1921267" cy="461665"/>
-          </a:xfrm>
-          <a:prstGeom prst="rect">
-            <a:avLst/>
-          </a:prstGeom>
-          <a:noFill/>
-        </p:spPr>
-        <p:txBody>
-          <a:bodyPr wrap="square" rtlCol="0">
-            <a:spAutoFit/>
-          </a:bodyPr>
-          <a:lstStyle/>
-          <a:p>
-            <a:r>
-              <a:rPr lang="en-US" sz="2400" b="1" dirty="0" err="1"/>
-              <a:t>Userinfo</a:t>
-            </a:r>
-            <a:endParaRPr lang="en-US" sz="2400" b="1" dirty="0"/>
-          </a:p>
-        </p:txBody>
-      </p:sp>
-      <p:pic>
-        <p:nvPicPr>
-          <p:cNvPr id="3" name="Content Placeholder 4">
-            <a:extLst>
-              <a:ext uri="{FF2B5EF4-FFF2-40B4-BE49-F238E27FC236}">
-                <a16:creationId xmlns:a16="http://schemas.microsoft.com/office/drawing/2014/main" id="{0A0A7B87-A82F-54B4-A9AA-54658CF85266}"/>
-              </a:ext>
-            </a:extLst>
-          </p:cNvPr>
-          <p:cNvPicPr>
-            <a:picLocks noChangeAspect="1"/>
-          </p:cNvPicPr>
-          <p:nvPr/>
-        </p:nvPicPr>
-        <p:blipFill>
-          <a:blip r:embed="rId2"/>
-          <a:stretch>
-            <a:fillRect/>
-          </a:stretch>
-        </p:blipFill>
-        <p:spPr>
-          <a:xfrm>
-            <a:off x="32122" y="2002419"/>
-            <a:ext cx="12159878" cy="4047458"/>
-          </a:xfrm>
-          <a:prstGeom prst="rect">
-            <a:avLst/>
-          </a:prstGeom>
-        </p:spPr>
-      </p:pic>
-    </p:spTree>
-    <p:extLst>
-      <p:ext uri="{BB962C8B-B14F-4D97-AF65-F5344CB8AC3E}">
-        <p14:creationId xmlns:p14="http://schemas.microsoft.com/office/powerpoint/2010/main" val="3014503207"/>
-      </p:ext>
-    </p:extLst>
-  </p:cSld>
-  <p:clrMapOvr>
-    <a:masterClrMapping/>
-  </p:clrMapOvr>
-</p:sld>
-</file>
-
-<file path=ppt/slides/slide11.xml><?xml version="1.0" encoding="utf-8"?>
 <p:sld xmlns:a="http://schemas.openxmlformats.org/drawingml/2006/main" xmlns:r="http://schemas.openxmlformats.org/officeDocument/2006/relationships" xmlns:p="http://schemas.openxmlformats.org/presentationml/2006/main">
   <p:cSld>
     <p:bg>
@@ -4561,41 +4517,149 @@
 </p:sld>
 </file>
 
-<file path=ppt/slides/slide12.xml><?xml version="1.0" encoding="utf-8"?>
+<file path=ppt/slides/slide11.xml><?xml version="1.0" encoding="utf-8"?>
 <p:sld xmlns:a="http://schemas.openxmlformats.org/drawingml/2006/main" xmlns:r="http://schemas.openxmlformats.org/officeDocument/2006/relationships" xmlns:p="http://schemas.openxmlformats.org/presentationml/2006/main">
   <p:cSld>
     <p:bg>
       <p:bgPr>
-        <a:gradFill flip="none" rotWithShape="1">
+        <a:gradFill>
           <a:gsLst>
+            <a:gs pos="39000">
+              <a:schemeClr val="accent2">
+                <a:lumMod val="40000"/>
+                <a:lumOff val="60000"/>
+              </a:schemeClr>
+            </a:gs>
             <a:gs pos="0">
-              <a:schemeClr val="accent3">
+              <a:schemeClr val="accent1">
                 <a:lumMod val="5000"/>
                 <a:lumOff val="95000"/>
               </a:schemeClr>
             </a:gs>
             <a:gs pos="74000">
-              <a:schemeClr val="accent3">
+              <a:schemeClr val="accent1">
                 <a:lumMod val="45000"/>
                 <a:lumOff val="55000"/>
               </a:schemeClr>
             </a:gs>
-            <a:gs pos="83000">
-              <a:schemeClr val="accent3">
+            <a:gs pos="45000">
+              <a:schemeClr val="accent1">
                 <a:lumMod val="45000"/>
                 <a:lumOff val="55000"/>
               </a:schemeClr>
             </a:gs>
             <a:gs pos="100000">
-              <a:schemeClr val="accent3">
+              <a:schemeClr val="accent1">
                 <a:lumMod val="30000"/>
                 <a:lumOff val="70000"/>
               </a:schemeClr>
             </a:gs>
           </a:gsLst>
           <a:lin ang="5400000" scaled="1"/>
-          <a:tileRect/>
         </a:gradFill>
+        <a:effectLst/>
+      </p:bgPr>
+    </p:bg>
+    <p:spTree>
+      <p:nvGrpSpPr>
+        <p:cNvPr id="1" name=""/>
+        <p:cNvGrpSpPr/>
+        <p:nvPr/>
+      </p:nvGrpSpPr>
+      <p:grpSpPr>
+        <a:xfrm>
+          <a:off x="0" y="0"/>
+          <a:ext cx="0" cy="0"/>
+          <a:chOff x="0" y="0"/>
+          <a:chExt cx="0" cy="0"/>
+        </a:xfrm>
+      </p:grpSpPr>
+      <p:sp>
+        <p:nvSpPr>
+          <p:cNvPr id="2" name="TextBox 1">
+            <a:extLst>
+              <a:ext uri="{FF2B5EF4-FFF2-40B4-BE49-F238E27FC236}">
+                <a16:creationId xmlns:a16="http://schemas.microsoft.com/office/drawing/2014/main" id="{4E1BE1EB-14FC-2198-D377-BF8438280254}"/>
+              </a:ext>
+            </a:extLst>
+          </p:cNvPr>
+          <p:cNvSpPr txBox="1"/>
+          <p:nvPr/>
+        </p:nvSpPr>
+        <p:spPr>
+          <a:xfrm>
+            <a:off x="4438650" y="109537"/>
+            <a:ext cx="2933700" cy="461665"/>
+          </a:xfrm>
+          <a:prstGeom prst="rect">
+            <a:avLst/>
+          </a:prstGeom>
+          <a:noFill/>
+        </p:spPr>
+        <p:txBody>
+          <a:bodyPr wrap="square" rtlCol="0">
+            <a:spAutoFit/>
+          </a:bodyPr>
+          <a:lstStyle/>
+          <a:p>
+            <a:r>
+              <a:rPr lang="en-US" sz="2400" b="1" dirty="0"/>
+              <a:t>Message table</a:t>
+            </a:r>
+          </a:p>
+        </p:txBody>
+      </p:sp>
+      <p:pic>
+        <p:nvPicPr>
+          <p:cNvPr id="3" name="Picture 2">
+            <a:extLst>
+              <a:ext uri="{FF2B5EF4-FFF2-40B4-BE49-F238E27FC236}">
+                <a16:creationId xmlns:a16="http://schemas.microsoft.com/office/drawing/2014/main" id="{7780F798-28D7-6DAB-BC90-105154BA35E9}"/>
+              </a:ext>
+            </a:extLst>
+          </p:cNvPr>
+          <p:cNvPicPr>
+            <a:picLocks noChangeAspect="1"/>
+          </p:cNvPicPr>
+          <p:nvPr/>
+        </p:nvPicPr>
+        <p:blipFill>
+          <a:blip r:embed="rId2"/>
+          <a:stretch>
+            <a:fillRect/>
+          </a:stretch>
+        </p:blipFill>
+        <p:spPr>
+          <a:xfrm>
+            <a:off x="-13611" y="1238248"/>
+            <a:ext cx="12205611" cy="4391989"/>
+          </a:xfrm>
+          <a:prstGeom prst="rect">
+            <a:avLst/>
+          </a:prstGeom>
+        </p:spPr>
+      </p:pic>
+    </p:spTree>
+    <p:extLst>
+      <p:ext uri="{BB962C8B-B14F-4D97-AF65-F5344CB8AC3E}">
+        <p14:creationId xmlns:p14="http://schemas.microsoft.com/office/powerpoint/2010/main" val="1820823852"/>
+      </p:ext>
+    </p:extLst>
+  </p:cSld>
+  <p:clrMapOvr>
+    <a:masterClrMapping/>
+  </p:clrMapOvr>
+</p:sld>
+</file>
+
+<file path=ppt/slides/slide12.xml><?xml version="1.0" encoding="utf-8"?>
+<p:sld xmlns:a="http://schemas.openxmlformats.org/drawingml/2006/main" xmlns:r="http://schemas.openxmlformats.org/officeDocument/2006/relationships" xmlns:p="http://schemas.openxmlformats.org/presentationml/2006/main">
+  <p:cSld>
+    <p:bg>
+      <p:bgPr>
+        <a:solidFill>
+          <a:schemeClr val="bg1"/>
+        </a:solidFill>
         <a:effectLst/>
       </p:bgPr>
     </p:bg>
@@ -4777,7 +4841,12 @@
           <a:prstGeom prst="rect">
             <a:avLst/>
           </a:prstGeom>
-          <a:noFill/>
+          <a:solidFill>
+            <a:schemeClr val="accent5">
+              <a:lumMod val="20000"/>
+              <a:lumOff val="80000"/>
+            </a:schemeClr>
+          </a:solidFill>
         </p:spPr>
         <p:txBody>
           <a:bodyPr wrap="square" rtlCol="0">
@@ -5786,7 +5855,32 @@
           <a:prstGeom prst="rect">
             <a:avLst/>
           </a:prstGeom>
-          <a:noFill/>
+          <a:gradFill>
+            <a:gsLst>
+              <a:gs pos="0">
+                <a:srgbClr val="9CDCDB"/>
+              </a:gs>
+              <a:gs pos="74000">
+                <a:schemeClr val="accent6">
+                  <a:lumMod val="45000"/>
+                  <a:lumOff val="55000"/>
+                </a:schemeClr>
+              </a:gs>
+              <a:gs pos="83000">
+                <a:schemeClr val="accent6">
+                  <a:lumMod val="45000"/>
+                  <a:lumOff val="55000"/>
+                </a:schemeClr>
+              </a:gs>
+              <a:gs pos="100000">
+                <a:schemeClr val="accent6">
+                  <a:lumMod val="30000"/>
+                  <a:lumOff val="70000"/>
+                </a:schemeClr>
+              </a:gs>
+            </a:gsLst>
+            <a:lin ang="5400000" scaled="1"/>
+          </a:gradFill>
         </p:spPr>
         <p:txBody>
           <a:bodyPr wrap="square" rtlCol="0">
@@ -6089,7 +6183,32 @@
           <a:prstGeom prst="rect">
             <a:avLst/>
           </a:prstGeom>
-          <a:noFill/>
+          <a:gradFill>
+            <a:gsLst>
+              <a:gs pos="0">
+                <a:srgbClr val="9CDCDB"/>
+              </a:gs>
+              <a:gs pos="74000">
+                <a:schemeClr val="accent6">
+                  <a:lumMod val="45000"/>
+                  <a:lumOff val="55000"/>
+                </a:schemeClr>
+              </a:gs>
+              <a:gs pos="83000">
+                <a:schemeClr val="accent6">
+                  <a:lumMod val="45000"/>
+                  <a:lumOff val="55000"/>
+                </a:schemeClr>
+              </a:gs>
+              <a:gs pos="100000">
+                <a:schemeClr val="accent6">
+                  <a:lumMod val="30000"/>
+                  <a:lumOff val="70000"/>
+                </a:schemeClr>
+              </a:gs>
+            </a:gsLst>
+            <a:lin ang="5400000" scaled="1"/>
+          </a:gradFill>
         </p:spPr>
         <p:txBody>
           <a:bodyPr wrap="square" rtlCol="0">
@@ -6693,7 +6812,32 @@
           <a:prstGeom prst="rect">
             <a:avLst/>
           </a:prstGeom>
-          <a:noFill/>
+          <a:gradFill>
+            <a:gsLst>
+              <a:gs pos="0">
+                <a:srgbClr val="9CDCDB"/>
+              </a:gs>
+              <a:gs pos="74000">
+                <a:schemeClr val="accent6">
+                  <a:lumMod val="45000"/>
+                  <a:lumOff val="55000"/>
+                </a:schemeClr>
+              </a:gs>
+              <a:gs pos="83000">
+                <a:schemeClr val="accent6">
+                  <a:lumMod val="45000"/>
+                  <a:lumOff val="55000"/>
+                </a:schemeClr>
+              </a:gs>
+              <a:gs pos="100000">
+                <a:schemeClr val="accent6">
+                  <a:lumMod val="30000"/>
+                  <a:lumOff val="70000"/>
+                </a:schemeClr>
+              </a:gs>
+            </a:gsLst>
+            <a:lin ang="5400000" scaled="1"/>
+          </a:gradFill>
         </p:spPr>
         <p:txBody>
           <a:bodyPr wrap="square" rtlCol="0">
@@ -7864,34 +8008,35 @@
   <p:cSld>
     <p:bg>
       <p:bgPr>
-        <a:gradFill>
+        <a:gradFill flip="none" rotWithShape="1">
           <a:gsLst>
             <a:gs pos="0">
-              <a:schemeClr val="accent1">
+              <a:schemeClr val="accent6">
                 <a:lumMod val="5000"/>
                 <a:lumOff val="95000"/>
               </a:schemeClr>
             </a:gs>
             <a:gs pos="74000">
-              <a:schemeClr val="accent1">
+              <a:schemeClr val="accent6">
                 <a:lumMod val="45000"/>
                 <a:lumOff val="55000"/>
               </a:schemeClr>
             </a:gs>
             <a:gs pos="83000">
-              <a:schemeClr val="accent1">
+              <a:schemeClr val="accent6">
                 <a:lumMod val="45000"/>
                 <a:lumOff val="55000"/>
               </a:schemeClr>
             </a:gs>
             <a:gs pos="100000">
-              <a:schemeClr val="accent1">
+              <a:schemeClr val="accent6">
                 <a:lumMod val="30000"/>
                 <a:lumOff val="70000"/>
               </a:schemeClr>
             </a:gs>
           </a:gsLst>
           <a:lin ang="5400000" scaled="1"/>
+          <a:tileRect/>
         </a:gradFill>
         <a:effectLst/>
       </p:bgPr>
@@ -7915,7 +8060,7 @@
           <p:cNvPr id="2" name="TextBox 1">
             <a:extLst>
               <a:ext uri="{FF2B5EF4-FFF2-40B4-BE49-F238E27FC236}">
-                <a16:creationId xmlns:a16="http://schemas.microsoft.com/office/drawing/2014/main" id="{4E1BE1EB-14FC-2198-D377-BF8438280254}"/>
+                <a16:creationId xmlns:a16="http://schemas.microsoft.com/office/drawing/2014/main" id="{76DB8EDF-528F-7F21-B76F-14749AF670DD}"/>
               </a:ext>
             </a:extLst>
           </p:cNvPr>
@@ -7924,8 +8069,8 @@
         </p:nvSpPr>
         <p:spPr>
           <a:xfrm>
-            <a:off x="4438650" y="109537"/>
-            <a:ext cx="2933700" cy="461665"/>
+            <a:off x="5548045" y="565079"/>
+            <a:ext cx="1921267" cy="461665"/>
           </a:xfrm>
           <a:prstGeom prst="rect">
             <a:avLst/>
@@ -7939,18 +8084,19 @@
           <a:lstStyle/>
           <a:p>
             <a:r>
-              <a:rPr lang="en-US" sz="2400" b="1" dirty="0"/>
-              <a:t>Message table</a:t>
-            </a:r>
+              <a:rPr lang="en-US" sz="2400" b="1" dirty="0" err="1"/>
+              <a:t>User_info</a:t>
+            </a:r>
+            <a:endParaRPr lang="en-US" sz="2400" b="1" dirty="0"/>
           </a:p>
         </p:txBody>
       </p:sp>
       <p:pic>
         <p:nvPicPr>
-          <p:cNvPr id="3" name="Picture 2">
-            <a:extLst>
-              <a:ext uri="{FF2B5EF4-FFF2-40B4-BE49-F238E27FC236}">
-                <a16:creationId xmlns:a16="http://schemas.microsoft.com/office/drawing/2014/main" id="{7780F798-28D7-6DAB-BC90-105154BA35E9}"/>
+          <p:cNvPr id="3" name="Content Placeholder 4">
+            <a:extLst>
+              <a:ext uri="{FF2B5EF4-FFF2-40B4-BE49-F238E27FC236}">
+                <a16:creationId xmlns:a16="http://schemas.microsoft.com/office/drawing/2014/main" id="{0A0A7B87-A82F-54B4-A9AA-54658CF85266}"/>
               </a:ext>
             </a:extLst>
           </p:cNvPr>
@@ -7967,8 +8113,8 @@
         </p:blipFill>
         <p:spPr>
           <a:xfrm>
-            <a:off x="-13611" y="1238248"/>
-            <a:ext cx="12205611" cy="4391989"/>
+            <a:off x="32122" y="2002419"/>
+            <a:ext cx="12159878" cy="4047458"/>
           </a:xfrm>
           <a:prstGeom prst="rect">
             <a:avLst/>
@@ -7978,7 +8124,7 @@
     </p:spTree>
     <p:extLst>
       <p:ext uri="{BB962C8B-B14F-4D97-AF65-F5344CB8AC3E}">
-        <p14:creationId xmlns:p14="http://schemas.microsoft.com/office/powerpoint/2010/main" val="1820823852"/>
+        <p14:creationId xmlns:p14="http://schemas.microsoft.com/office/powerpoint/2010/main" val="3014503207"/>
       </p:ext>
     </p:extLst>
   </p:cSld>
@@ -8544,6 +8690,15 @@
 </file>
 
 <file path=customXml/item1.xml><?xml version="1.0" encoding="utf-8"?>
+<?mso-contentType ?>
+<FormTemplates xmlns="http://schemas.microsoft.com/sharepoint/v3/contenttype/forms">
+  <Display>DocumentLibraryForm</Display>
+  <Edit>DocumentLibraryForm</Edit>
+  <New>DocumentLibraryForm</New>
+</FormTemplates>
+</file>
+
+<file path=customXml/item2.xml><?xml version="1.0" encoding="utf-8"?>
 <ct:contentTypeSchema xmlns:ct="http://schemas.microsoft.com/office/2006/metadata/contentType" xmlns:ma="http://schemas.microsoft.com/office/2006/metadata/properties/metaAttributes" ct:_="" ma:_="" ma:contentTypeName="Document" ma:contentTypeID="0x01010079F111ED35F8CC479449609E8A0923A6" ma:contentTypeVersion="12" ma:contentTypeDescription="Create a new document." ma:contentTypeScope="" ma:versionID="a410dd7f93c95333ffa1b60ed6adedd1">
   <xsd:schema xmlns:xsd="http://www.w3.org/2001/XMLSchema" xmlns:xs="http://www.w3.org/2001/XMLSchema" xmlns:p="http://schemas.microsoft.com/office/2006/metadata/properties" xmlns:ns2="71af3243-3dd4-4a8d-8c0d-dd76da1f02a5" xmlns:ns3="16c05727-aa75-4e4a-9b5f-8a80a1165891" targetNamespace="http://schemas.microsoft.com/office/2006/metadata/properties" ma:root="true" ma:fieldsID="a936d9baba76aa3866493feff160faab" ns2:_="" ns3:_="">
     <xsd:import namespace="71af3243-3dd4-4a8d-8c0d-dd76da1f02a5"/>
@@ -8764,15 +8919,6 @@
 </ct:contentTypeSchema>
 </file>
 
-<file path=customXml/item2.xml><?xml version="1.0" encoding="utf-8"?>
-<?mso-contentType ?>
-<FormTemplates xmlns="http://schemas.microsoft.com/sharepoint/v3/contenttype/forms">
-  <Display>DocumentLibraryForm</Display>
-  <Edit>DocumentLibraryForm</Edit>
-  <New>DocumentLibraryForm</New>
-</FormTemplates>
-</file>
-
 <file path=customXml/item3.xml><?xml version="1.0" encoding="utf-8"?>
 <p:properties xmlns:p="http://schemas.microsoft.com/office/2006/metadata/properties" xmlns:xsi="http://www.w3.org/2001/XMLSchema-instance" xmlns:pc="http://schemas.microsoft.com/office/infopath/2007/PartnerControls">
   <documentManagement>
@@ -8783,6 +8929,14 @@
 </file>
 
 <file path=customXml/itemProps1.xml><?xml version="1.0" encoding="utf-8"?>
+<ds:datastoreItem xmlns:ds="http://schemas.openxmlformats.org/officeDocument/2006/customXml" ds:itemID="{31F006B4-A9E1-4F39-85C8-FB836F919348}">
+  <ds:schemaRefs>
+    <ds:schemaRef ds:uri="http://schemas.microsoft.com/sharepoint/v3/contenttype/forms"/>
+  </ds:schemaRefs>
+</ds:datastoreItem>
+</file>
+
+<file path=customXml/itemProps2.xml><?xml version="1.0" encoding="utf-8"?>
 <ds:datastoreItem xmlns:ds="http://schemas.openxmlformats.org/officeDocument/2006/customXml" ds:itemID="{16377351-63A1-4C2E-8C9A-66CDD70F16AC}">
   <ds:schemaRefs>
     <ds:schemaRef ds:uri="http://schemas.microsoft.com/office/2006/metadata/contentType"/>
@@ -8801,14 +8955,6 @@
 </ds:datastoreItem>
 </file>
 
-<file path=customXml/itemProps2.xml><?xml version="1.0" encoding="utf-8"?>
-<ds:datastoreItem xmlns:ds="http://schemas.openxmlformats.org/officeDocument/2006/customXml" ds:itemID="{31F006B4-A9E1-4F39-85C8-FB836F919348}">
-  <ds:schemaRefs>
-    <ds:schemaRef ds:uri="http://schemas.microsoft.com/sharepoint/v3/contenttype/forms"/>
-  </ds:schemaRefs>
-</ds:datastoreItem>
-</file>
-
 <file path=customXml/itemProps3.xml><?xml version="1.0" encoding="utf-8"?>
 <ds:datastoreItem xmlns:ds="http://schemas.openxmlformats.org/officeDocument/2006/customXml" ds:itemID="{8F3CD65D-61A5-43C9-A837-6EC73C7DA8AB}">
   <ds:schemaRefs>

--- a/Database Project.pptx
+++ b/Database Project.pptx
@@ -13,10 +13,17 @@
     <p:sldId id="274" r:id="rId10"/>
     <p:sldId id="278" r:id="rId11"/>
     <p:sldId id="276" r:id="rId12"/>
-    <p:sldId id="277" r:id="rId13"/>
-    <p:sldId id="279" r:id="rId14"/>
-    <p:sldId id="275" r:id="rId15"/>
-    <p:sldId id="280" r:id="rId16"/>
+    <p:sldId id="282" r:id="rId13"/>
+    <p:sldId id="277" r:id="rId14"/>
+    <p:sldId id="279" r:id="rId15"/>
+    <p:sldId id="283" r:id="rId16"/>
+    <p:sldId id="275" r:id="rId17"/>
+    <p:sldId id="284" r:id="rId18"/>
+    <p:sldId id="281" r:id="rId19"/>
+    <p:sldId id="285" r:id="rId20"/>
+    <p:sldId id="286" r:id="rId21"/>
+    <p:sldId id="280" r:id="rId22"/>
+    <p:sldId id="287" r:id="rId23"/>
   </p:sldIdLst>
   <p:sldSz cx="12192000" cy="6858000"/>
   <p:notesSz cx="6858000" cy="9144000"/>
@@ -270,7 +277,7 @@
           <a:p>
             <a:fld id="{9184DA70-C731-4C70-880D-CCD4705E623C}" type="datetime1">
               <a:rPr lang="en-US" smtClean="0"/>
-              <a:t>3/27/2023</a:t>
+              <a:t>3/28/2023</a:t>
             </a:fld>
             <a:endParaRPr lang="en-US" dirty="0"/>
           </a:p>
@@ -468,7 +475,7 @@
           <a:p>
             <a:fld id="{62D6E202-B606-4609-B914-27C9371A1F6D}" type="datetime1">
               <a:rPr lang="en-US" smtClean="0"/>
-              <a:t>3/27/2023</a:t>
+              <a:t>3/28/2023</a:t>
             </a:fld>
             <a:endParaRPr lang="en-US" dirty="0"/>
           </a:p>
@@ -677,7 +684,7 @@
           <a:p>
             <a:fld id="{62D6E202-B606-4609-B914-27C9371A1F6D}" type="datetime1">
               <a:rPr lang="en-US" smtClean="0"/>
-              <a:t>3/27/2023</a:t>
+              <a:t>3/28/2023</a:t>
             </a:fld>
             <a:endParaRPr lang="en-US" dirty="0"/>
           </a:p>
@@ -876,7 +883,7 @@
           <a:p>
             <a:fld id="{4BE1D723-8F53-4F53-90B0-1982A396982E}" type="datetime1">
               <a:rPr lang="en-US" smtClean="0"/>
-              <a:t>3/27/2023</a:t>
+              <a:t>3/28/2023</a:t>
             </a:fld>
             <a:endParaRPr lang="en-US" dirty="0"/>
           </a:p>
@@ -1151,7 +1158,7 @@
           <a:p>
             <a:fld id="{97669AF7-7BEB-44E4-9852-375E34362B5B}" type="datetime1">
               <a:rPr lang="en-US" smtClean="0"/>
-              <a:t>3/27/2023</a:t>
+              <a:t>3/28/2023</a:t>
             </a:fld>
             <a:endParaRPr lang="en-US" dirty="0"/>
           </a:p>
@@ -1416,7 +1423,7 @@
           <a:p>
             <a:fld id="{BAAAC38D-0552-4C82-B593-E6124DFADBE2}" type="datetime1">
               <a:rPr lang="en-US" smtClean="0"/>
-              <a:t>3/27/2023</a:t>
+              <a:t>3/28/2023</a:t>
             </a:fld>
             <a:endParaRPr lang="en-US" dirty="0"/>
           </a:p>
@@ -1828,7 +1835,7 @@
           <a:p>
             <a:fld id="{62D6E202-B606-4609-B914-27C9371A1F6D}" type="datetime1">
               <a:rPr lang="en-US" smtClean="0"/>
-              <a:t>3/27/2023</a:t>
+              <a:t>3/28/2023</a:t>
             </a:fld>
             <a:endParaRPr lang="en-US" dirty="0"/>
           </a:p>
@@ -1970,7 +1977,7 @@
           <a:p>
             <a:fld id="{1775B394-D9F9-4F0C-B15D-605F45CB9E9F}" type="datetime1">
               <a:rPr lang="en-US" smtClean="0"/>
-              <a:t>3/27/2023</a:t>
+              <a:t>3/28/2023</a:t>
             </a:fld>
             <a:endParaRPr lang="en-US" dirty="0"/>
           </a:p>
@@ -2083,7 +2090,7 @@
           <a:p>
             <a:fld id="{39667345-2558-425A-8533-9BFDBCE15005}" type="datetime1">
               <a:rPr lang="en-US" smtClean="0"/>
-              <a:t>3/27/2023</a:t>
+              <a:t>3/28/2023</a:t>
             </a:fld>
             <a:endParaRPr lang="en-US" dirty="0"/>
           </a:p>
@@ -2394,7 +2401,7 @@
           <a:p>
             <a:fld id="{92BEA474-078D-4E9B-9B14-09A87B19DC46}" type="datetime1">
               <a:rPr lang="en-US" smtClean="0"/>
-              <a:t>3/27/2023</a:t>
+              <a:t>3/28/2023</a:t>
             </a:fld>
             <a:endParaRPr lang="en-US" dirty="0"/>
           </a:p>
@@ -2683,7 +2690,7 @@
           <a:p>
             <a:fld id="{4907D986-8816-4272-A432-0437A28A9828}" type="datetime1">
               <a:rPr lang="en-US" smtClean="0"/>
-              <a:t>3/27/2023</a:t>
+              <a:t>3/28/2023</a:t>
             </a:fld>
             <a:endParaRPr lang="en-US" dirty="0"/>
           </a:p>
@@ -2925,7 +2932,7 @@
           <a:p>
             <a:fld id="{62D6E202-B606-4609-B914-27C9371A1F6D}" type="datetime1">
               <a:rPr lang="en-US" smtClean="0"/>
-              <a:t>3/27/2023</a:t>
+              <a:t>3/28/2023</a:t>
             </a:fld>
             <a:endParaRPr lang="en-US" dirty="0"/>
           </a:p>
@@ -4395,6 +4402,136 @@
         <a:gradFill flip="none" rotWithShape="1">
           <a:gsLst>
             <a:gs pos="0">
+              <a:schemeClr val="accent4">
+                <a:lumMod val="5000"/>
+                <a:lumOff val="95000"/>
+              </a:schemeClr>
+            </a:gs>
+            <a:gs pos="74000">
+              <a:schemeClr val="accent4">
+                <a:lumMod val="45000"/>
+                <a:lumOff val="55000"/>
+              </a:schemeClr>
+            </a:gs>
+            <a:gs pos="83000">
+              <a:schemeClr val="accent4">
+                <a:lumMod val="45000"/>
+                <a:lumOff val="55000"/>
+              </a:schemeClr>
+            </a:gs>
+            <a:gs pos="100000">
+              <a:schemeClr val="accent4">
+                <a:lumMod val="30000"/>
+                <a:lumOff val="70000"/>
+              </a:schemeClr>
+            </a:gs>
+          </a:gsLst>
+          <a:lin ang="5400000" scaled="1"/>
+          <a:tileRect/>
+        </a:gradFill>
+        <a:effectLst/>
+      </p:bgPr>
+    </p:bg>
+    <p:spTree>
+      <p:nvGrpSpPr>
+        <p:cNvPr id="1" name=""/>
+        <p:cNvGrpSpPr/>
+        <p:nvPr/>
+      </p:nvGrpSpPr>
+      <p:grpSpPr>
+        <a:xfrm>
+          <a:off x="0" y="0"/>
+          <a:ext cx="0" cy="0"/>
+          <a:chOff x="0" y="0"/>
+          <a:chExt cx="0" cy="0"/>
+        </a:xfrm>
+      </p:grpSpPr>
+      <p:sp>
+        <p:nvSpPr>
+          <p:cNvPr id="2" name="TextBox 1">
+            <a:extLst>
+              <a:ext uri="{FF2B5EF4-FFF2-40B4-BE49-F238E27FC236}">
+                <a16:creationId xmlns:a16="http://schemas.microsoft.com/office/drawing/2014/main" id="{7F6EA1BF-6C69-29B9-E983-1756C514E750}"/>
+              </a:ext>
+            </a:extLst>
+          </p:cNvPr>
+          <p:cNvSpPr txBox="1"/>
+          <p:nvPr/>
+        </p:nvSpPr>
+        <p:spPr>
+          <a:xfrm>
+            <a:off x="4900773" y="482885"/>
+            <a:ext cx="3010328" cy="461665"/>
+          </a:xfrm>
+          <a:prstGeom prst="rect">
+            <a:avLst/>
+          </a:prstGeom>
+          <a:noFill/>
+        </p:spPr>
+        <p:txBody>
+          <a:bodyPr wrap="square" rtlCol="0">
+            <a:spAutoFit/>
+          </a:bodyPr>
+          <a:lstStyle/>
+          <a:p>
+            <a:r>
+              <a:rPr lang="en-US" sz="2400" b="1" dirty="0"/>
+              <a:t>Status comments</a:t>
+            </a:r>
+          </a:p>
+        </p:txBody>
+      </p:sp>
+      <p:pic>
+        <p:nvPicPr>
+          <p:cNvPr id="3" name="Picture 2">
+            <a:extLst>
+              <a:ext uri="{FF2B5EF4-FFF2-40B4-BE49-F238E27FC236}">
+                <a16:creationId xmlns:a16="http://schemas.microsoft.com/office/drawing/2014/main" id="{154EAB31-EDB0-5DA1-E574-73E5377C75F4}"/>
+              </a:ext>
+            </a:extLst>
+          </p:cNvPr>
+          <p:cNvPicPr>
+            <a:picLocks noChangeAspect="1"/>
+          </p:cNvPicPr>
+          <p:nvPr/>
+        </p:nvPicPr>
+        <p:blipFill>
+          <a:blip r:embed="rId2"/>
+          <a:stretch>
+            <a:fillRect/>
+          </a:stretch>
+        </p:blipFill>
+        <p:spPr>
+          <a:xfrm>
+            <a:off x="0" y="1883302"/>
+            <a:ext cx="12130344" cy="4332563"/>
+          </a:xfrm>
+          <a:prstGeom prst="rect">
+            <a:avLst/>
+          </a:prstGeom>
+        </p:spPr>
+      </p:pic>
+    </p:spTree>
+    <p:extLst>
+      <p:ext uri="{BB962C8B-B14F-4D97-AF65-F5344CB8AC3E}">
+        <p14:creationId xmlns:p14="http://schemas.microsoft.com/office/powerpoint/2010/main" val="1345467360"/>
+      </p:ext>
+    </p:extLst>
+  </p:cSld>
+  <p:clrMapOvr>
+    <a:masterClrMapping/>
+  </p:clrMapOvr>
+</p:sld>
+</file>
+
+<file path=ppt/slides/slide11.xml><?xml version="1.0" encoding="utf-8"?>
+<p:sld xmlns:a="http://schemas.openxmlformats.org/drawingml/2006/main" xmlns:r="http://schemas.openxmlformats.org/officeDocument/2006/relationships" xmlns:p="http://schemas.openxmlformats.org/presentationml/2006/main">
+  <p:cSld>
+    <p:bg>
+      <p:bgPr>
+        <a:gradFill flip="none" rotWithShape="1">
+          <a:gsLst>
+            <a:gs pos="0">
               <a:schemeClr val="accent1">
                 <a:lumMod val="5000"/>
                 <a:lumOff val="95000"/>
@@ -4517,7 +4654,103 @@
 </p:sld>
 </file>
 
-<file path=ppt/slides/slide11.xml><?xml version="1.0" encoding="utf-8"?>
+<file path=ppt/slides/slide12.xml><?xml version="1.0" encoding="utf-8"?>
+<p:sld xmlns:a="http://schemas.openxmlformats.org/drawingml/2006/main" xmlns:r="http://schemas.openxmlformats.org/officeDocument/2006/relationships" xmlns:p="http://schemas.openxmlformats.org/presentationml/2006/main">
+  <p:cSld>
+    <p:spTree>
+      <p:nvGrpSpPr>
+        <p:cNvPr id="1" name=""/>
+        <p:cNvGrpSpPr/>
+        <p:nvPr/>
+      </p:nvGrpSpPr>
+      <p:grpSpPr>
+        <a:xfrm>
+          <a:off x="0" y="0"/>
+          <a:ext cx="0" cy="0"/>
+          <a:chOff x="0" y="0"/>
+          <a:chExt cx="0" cy="0"/>
+        </a:xfrm>
+      </p:grpSpPr>
+      <p:pic>
+        <p:nvPicPr>
+          <p:cNvPr id="4" name="Picture 3">
+            <a:extLst>
+              <a:ext uri="{FF2B5EF4-FFF2-40B4-BE49-F238E27FC236}">
+                <a16:creationId xmlns:a16="http://schemas.microsoft.com/office/drawing/2014/main" id="{7EA337E3-80DA-8381-75A3-26A925AA5621}"/>
+              </a:ext>
+            </a:extLst>
+          </p:cNvPr>
+          <p:cNvPicPr>
+            <a:picLocks noChangeAspect="1"/>
+          </p:cNvPicPr>
+          <p:nvPr/>
+        </p:nvPicPr>
+        <p:blipFill>
+          <a:blip r:embed="rId2"/>
+          <a:stretch>
+            <a:fillRect/>
+          </a:stretch>
+        </p:blipFill>
+        <p:spPr>
+          <a:xfrm>
+            <a:off x="0" y="1008676"/>
+            <a:ext cx="12192000" cy="4486118"/>
+          </a:xfrm>
+          <a:prstGeom prst="rect">
+            <a:avLst/>
+          </a:prstGeom>
+        </p:spPr>
+      </p:pic>
+      <p:sp>
+        <p:nvSpPr>
+          <p:cNvPr id="5" name="TextBox 4">
+            <a:extLst>
+              <a:ext uri="{FF2B5EF4-FFF2-40B4-BE49-F238E27FC236}">
+                <a16:creationId xmlns:a16="http://schemas.microsoft.com/office/drawing/2014/main" id="{05A2F747-0C76-0F1A-7575-2DAF852276C3}"/>
+              </a:ext>
+            </a:extLst>
+          </p:cNvPr>
+          <p:cNvSpPr txBox="1"/>
+          <p:nvPr/>
+        </p:nvSpPr>
+        <p:spPr>
+          <a:xfrm>
+            <a:off x="5672666" y="204801"/>
+            <a:ext cx="1024466" cy="461665"/>
+          </a:xfrm>
+          <a:prstGeom prst="rect">
+            <a:avLst/>
+          </a:prstGeom>
+          <a:noFill/>
+        </p:spPr>
+        <p:txBody>
+          <a:bodyPr wrap="square" rtlCol="0">
+            <a:spAutoFit/>
+          </a:bodyPr>
+          <a:lstStyle/>
+          <a:p>
+            <a:r>
+              <a:rPr lang="en-GB" sz="2400" b="1" dirty="0"/>
+              <a:t>SQL</a:t>
+            </a:r>
+            <a:endParaRPr lang="en-US" sz="2400" b="1" dirty="0"/>
+          </a:p>
+        </p:txBody>
+      </p:sp>
+    </p:spTree>
+    <p:extLst>
+      <p:ext uri="{BB962C8B-B14F-4D97-AF65-F5344CB8AC3E}">
+        <p14:creationId xmlns:p14="http://schemas.microsoft.com/office/powerpoint/2010/main" val="3239229958"/>
+      </p:ext>
+    </p:extLst>
+  </p:cSld>
+  <p:clrMapOvr>
+    <a:masterClrMapping/>
+  </p:clrMapOvr>
+</p:sld>
+</file>
+
+<file path=ppt/slides/slide13.xml><?xml version="1.0" encoding="utf-8"?>
 <p:sld xmlns:a="http://schemas.openxmlformats.org/drawingml/2006/main" xmlns:r="http://schemas.openxmlformats.org/officeDocument/2006/relationships" xmlns:p="http://schemas.openxmlformats.org/presentationml/2006/main">
   <p:cSld>
     <p:bg>
@@ -4652,7 +4885,1024 @@
 </p:sld>
 </file>
 
-<file path=ppt/slides/slide12.xml><?xml version="1.0" encoding="utf-8"?>
+<file path=ppt/slides/slide14.xml><?xml version="1.0" encoding="utf-8"?>
+<p:sld xmlns:a="http://schemas.openxmlformats.org/drawingml/2006/main" xmlns:r="http://schemas.openxmlformats.org/officeDocument/2006/relationships" xmlns:p="http://schemas.openxmlformats.org/presentationml/2006/main">
+  <p:cSld>
+    <p:spTree>
+      <p:nvGrpSpPr>
+        <p:cNvPr id="1" name=""/>
+        <p:cNvGrpSpPr/>
+        <p:nvPr/>
+      </p:nvGrpSpPr>
+      <p:grpSpPr>
+        <a:xfrm>
+          <a:off x="0" y="0"/>
+          <a:ext cx="0" cy="0"/>
+          <a:chOff x="0" y="0"/>
+          <a:chExt cx="0" cy="0"/>
+        </a:xfrm>
+      </p:grpSpPr>
+      <p:pic>
+        <p:nvPicPr>
+          <p:cNvPr id="3" name="Picture 2">
+            <a:extLst>
+              <a:ext uri="{FF2B5EF4-FFF2-40B4-BE49-F238E27FC236}">
+                <a16:creationId xmlns:a16="http://schemas.microsoft.com/office/drawing/2014/main" id="{A3201634-F96D-5407-C810-DC6529EAD665}"/>
+              </a:ext>
+            </a:extLst>
+          </p:cNvPr>
+          <p:cNvPicPr>
+            <a:picLocks noChangeAspect="1"/>
+          </p:cNvPicPr>
+          <p:nvPr/>
+        </p:nvPicPr>
+        <p:blipFill>
+          <a:blip r:embed="rId2"/>
+          <a:stretch>
+            <a:fillRect/>
+          </a:stretch>
+        </p:blipFill>
+        <p:spPr>
+          <a:xfrm>
+            <a:off x="42052" y="1390365"/>
+            <a:ext cx="12149947" cy="4676419"/>
+          </a:xfrm>
+          <a:prstGeom prst="rect">
+            <a:avLst/>
+          </a:prstGeom>
+        </p:spPr>
+      </p:pic>
+      <p:sp>
+        <p:nvSpPr>
+          <p:cNvPr id="5" name="TextBox 4">
+            <a:extLst>
+              <a:ext uri="{FF2B5EF4-FFF2-40B4-BE49-F238E27FC236}">
+                <a16:creationId xmlns:a16="http://schemas.microsoft.com/office/drawing/2014/main" id="{5C6398FD-BA6F-334E-B759-6349E1BF1420}"/>
+              </a:ext>
+            </a:extLst>
+          </p:cNvPr>
+          <p:cNvSpPr txBox="1"/>
+          <p:nvPr/>
+        </p:nvSpPr>
+        <p:spPr>
+          <a:xfrm>
+            <a:off x="5672666" y="204801"/>
+            <a:ext cx="1024466" cy="461665"/>
+          </a:xfrm>
+          <a:prstGeom prst="rect">
+            <a:avLst/>
+          </a:prstGeom>
+          <a:noFill/>
+        </p:spPr>
+        <p:txBody>
+          <a:bodyPr wrap="square" rtlCol="0">
+            <a:spAutoFit/>
+          </a:bodyPr>
+          <a:lstStyle/>
+          <a:p>
+            <a:r>
+              <a:rPr lang="en-GB" sz="2400" b="1" dirty="0"/>
+              <a:t>SQL</a:t>
+            </a:r>
+            <a:endParaRPr lang="en-US" sz="2400" b="1" dirty="0"/>
+          </a:p>
+        </p:txBody>
+      </p:sp>
+    </p:spTree>
+    <p:extLst>
+      <p:ext uri="{BB962C8B-B14F-4D97-AF65-F5344CB8AC3E}">
+        <p14:creationId xmlns:p14="http://schemas.microsoft.com/office/powerpoint/2010/main" val="1748591731"/>
+      </p:ext>
+    </p:extLst>
+  </p:cSld>
+  <p:clrMapOvr>
+    <a:masterClrMapping/>
+  </p:clrMapOvr>
+</p:sld>
+</file>
+
+<file path=ppt/slides/slide15.xml><?xml version="1.0" encoding="utf-8"?>
+<p:sld xmlns:a="http://schemas.openxmlformats.org/drawingml/2006/main" xmlns:r="http://schemas.openxmlformats.org/officeDocument/2006/relationships" xmlns:p="http://schemas.openxmlformats.org/presentationml/2006/main">
+  <p:cSld>
+    <p:spTree>
+      <p:nvGrpSpPr>
+        <p:cNvPr id="1" name=""/>
+        <p:cNvGrpSpPr/>
+        <p:nvPr/>
+      </p:nvGrpSpPr>
+      <p:grpSpPr>
+        <a:xfrm>
+          <a:off x="0" y="0"/>
+          <a:ext cx="0" cy="0"/>
+          <a:chOff x="0" y="0"/>
+          <a:chExt cx="0" cy="0"/>
+        </a:xfrm>
+      </p:grpSpPr>
+      <p:sp>
+        <p:nvSpPr>
+          <p:cNvPr id="3" name="TextBox 2">
+            <a:extLst>
+              <a:ext uri="{FF2B5EF4-FFF2-40B4-BE49-F238E27FC236}">
+                <a16:creationId xmlns:a16="http://schemas.microsoft.com/office/drawing/2014/main" id="{6FFAD9CA-0D8F-33E0-72D8-C8E3662758EE}"/>
+              </a:ext>
+            </a:extLst>
+          </p:cNvPr>
+          <p:cNvSpPr txBox="1"/>
+          <p:nvPr/>
+        </p:nvSpPr>
+        <p:spPr>
+          <a:xfrm>
+            <a:off x="5672666" y="204801"/>
+            <a:ext cx="1024466" cy="461665"/>
+          </a:xfrm>
+          <a:prstGeom prst="rect">
+            <a:avLst/>
+          </a:prstGeom>
+          <a:noFill/>
+        </p:spPr>
+        <p:txBody>
+          <a:bodyPr wrap="square" rtlCol="0">
+            <a:spAutoFit/>
+          </a:bodyPr>
+          <a:lstStyle/>
+          <a:p>
+            <a:r>
+              <a:rPr lang="en-GB" sz="2400" b="1" dirty="0"/>
+              <a:t>SQL</a:t>
+            </a:r>
+            <a:endParaRPr lang="en-US" sz="2400" b="1" dirty="0"/>
+          </a:p>
+        </p:txBody>
+      </p:sp>
+      <p:sp>
+        <p:nvSpPr>
+          <p:cNvPr id="4" name="TextBox 3">
+            <a:extLst>
+              <a:ext uri="{FF2B5EF4-FFF2-40B4-BE49-F238E27FC236}">
+                <a16:creationId xmlns:a16="http://schemas.microsoft.com/office/drawing/2014/main" id="{9063E187-0C00-4FBD-8710-AD8B14A50A5C}"/>
+              </a:ext>
+            </a:extLst>
+          </p:cNvPr>
+          <p:cNvSpPr txBox="1"/>
+          <p:nvPr/>
+        </p:nvSpPr>
+        <p:spPr>
+          <a:xfrm>
+            <a:off x="944033" y="1267109"/>
+            <a:ext cx="10481733" cy="5201424"/>
+          </a:xfrm>
+          <a:prstGeom prst="rect">
+            <a:avLst/>
+          </a:prstGeom>
+          <a:noFill/>
+        </p:spPr>
+        <p:txBody>
+          <a:bodyPr wrap="square" rtlCol="0">
+            <a:spAutoFit/>
+          </a:bodyPr>
+          <a:lstStyle/>
+          <a:p>
+            <a:r>
+              <a:rPr lang="en-GB" sz="2400" dirty="0"/>
+              <a:t>Login:</a:t>
+            </a:r>
+          </a:p>
+          <a:p>
+            <a:r>
+              <a:rPr lang="en-GB" b="0" dirty="0">
+                <a:solidFill>
+                  <a:srgbClr val="D4D4D4"/>
+                </a:solidFill>
+                <a:effectLst/>
+                <a:latin typeface="Consolas" panose="020B0609020204030204" pitchFamily="49" charset="0"/>
+              </a:rPr>
+              <a:t>  </a:t>
+            </a:r>
+            <a:r>
+              <a:rPr lang="en-GB" sz="2000" b="0" dirty="0">
+                <a:effectLst/>
+                <a:latin typeface="Consolas" panose="020B0609020204030204" pitchFamily="49" charset="0"/>
+              </a:rPr>
+              <a:t>$</a:t>
+            </a:r>
+            <a:r>
+              <a:rPr lang="en-GB" sz="2000" b="0" dirty="0" err="1">
+                <a:effectLst/>
+                <a:latin typeface="Consolas" panose="020B0609020204030204" pitchFamily="49" charset="0"/>
+              </a:rPr>
+              <a:t>sql</a:t>
+            </a:r>
+            <a:r>
+              <a:rPr lang="en-GB" sz="2000" b="0" dirty="0">
+                <a:effectLst/>
+                <a:latin typeface="Consolas" panose="020B0609020204030204" pitchFamily="49" charset="0"/>
+              </a:rPr>
+              <a:t> = "select * from  </a:t>
+            </a:r>
+            <a:r>
+              <a:rPr lang="en-GB" sz="2000" b="0" dirty="0" err="1">
+                <a:effectLst/>
+                <a:latin typeface="Consolas" panose="020B0609020204030204" pitchFamily="49" charset="0"/>
+              </a:rPr>
+              <a:t>user_info</a:t>
+            </a:r>
+            <a:r>
+              <a:rPr lang="en-GB" sz="2000" b="0" dirty="0">
+                <a:effectLst/>
+                <a:latin typeface="Consolas" panose="020B0609020204030204" pitchFamily="49" charset="0"/>
+              </a:rPr>
+              <a:t> where username='$username' and password = '$password’”;</a:t>
+            </a:r>
+          </a:p>
+          <a:p>
+            <a:endParaRPr lang="en-GB" sz="2000" dirty="0">
+              <a:latin typeface="Consolas" panose="020B0609020204030204" pitchFamily="49" charset="0"/>
+            </a:endParaRPr>
+          </a:p>
+          <a:p>
+            <a:endParaRPr lang="en-GB" sz="2000" b="0" dirty="0">
+              <a:effectLst/>
+              <a:latin typeface="Consolas" panose="020B0609020204030204" pitchFamily="49" charset="0"/>
+            </a:endParaRPr>
+          </a:p>
+          <a:p>
+            <a:endParaRPr lang="en-GB" dirty="0">
+              <a:solidFill>
+                <a:srgbClr val="D4D4D4"/>
+              </a:solidFill>
+              <a:latin typeface="Consolas" panose="020B0609020204030204" pitchFamily="49" charset="0"/>
+            </a:endParaRPr>
+          </a:p>
+          <a:p>
+            <a:r>
+              <a:rPr lang="en-GB" sz="2400" dirty="0">
+                <a:latin typeface="Consolas" panose="020B0609020204030204" pitchFamily="49" charset="0"/>
+              </a:rPr>
+              <a:t>Register:</a:t>
+            </a:r>
+          </a:p>
+          <a:p>
+            <a:r>
+              <a:rPr lang="en-US" sz="2000" b="0" dirty="0">
+                <a:effectLst/>
+                <a:latin typeface="Consolas" panose="020B0609020204030204" pitchFamily="49" charset="0"/>
+              </a:rPr>
+              <a:t>        $</a:t>
+            </a:r>
+            <a:r>
+              <a:rPr lang="en-US" sz="2000" b="0" dirty="0" err="1">
+                <a:effectLst/>
+                <a:latin typeface="Consolas" panose="020B0609020204030204" pitchFamily="49" charset="0"/>
+              </a:rPr>
+              <a:t>sql</a:t>
+            </a:r>
+            <a:r>
+              <a:rPr lang="en-US" sz="2000" b="0" dirty="0">
+                <a:effectLst/>
+                <a:latin typeface="Consolas" panose="020B0609020204030204" pitchFamily="49" charset="0"/>
+              </a:rPr>
+              <a:t> = "INSERT INTO </a:t>
+            </a:r>
+            <a:r>
+              <a:rPr lang="en-US" sz="2000" b="0" dirty="0" err="1">
+                <a:effectLst/>
+                <a:latin typeface="Consolas" panose="020B0609020204030204" pitchFamily="49" charset="0"/>
+              </a:rPr>
+              <a:t>user_info</a:t>
+            </a:r>
+            <a:r>
+              <a:rPr lang="en-US" sz="2000" b="0" dirty="0">
+                <a:effectLst/>
+                <a:latin typeface="Consolas" panose="020B0609020204030204" pitchFamily="49" charset="0"/>
+              </a:rPr>
+              <a:t> VALUES('$username','$fname','$lname','$gender','$email','$phone_no','$date_of_birth','$address','$password')";</a:t>
+            </a:r>
+          </a:p>
+          <a:p>
+            <a:endParaRPr lang="en-GB" b="0" dirty="0">
+              <a:solidFill>
+                <a:srgbClr val="D4D4D4"/>
+              </a:solidFill>
+              <a:effectLst/>
+              <a:latin typeface="Consolas" panose="020B0609020204030204" pitchFamily="49" charset="0"/>
+            </a:endParaRPr>
+          </a:p>
+          <a:p>
+            <a:endParaRPr lang="en-GB" b="0" dirty="0">
+              <a:solidFill>
+                <a:srgbClr val="D4D4D4"/>
+              </a:solidFill>
+              <a:effectLst/>
+              <a:latin typeface="Consolas" panose="020B0609020204030204" pitchFamily="49" charset="0"/>
+            </a:endParaRPr>
+          </a:p>
+          <a:p>
+            <a:br>
+              <a:rPr lang="en-GB" b="0" dirty="0">
+                <a:solidFill>
+                  <a:srgbClr val="D4D4D4"/>
+                </a:solidFill>
+                <a:effectLst/>
+                <a:latin typeface="Consolas" panose="020B0609020204030204" pitchFamily="49" charset="0"/>
+              </a:rPr>
+            </a:br>
+            <a:endParaRPr lang="en-GB" b="0" dirty="0">
+              <a:solidFill>
+                <a:srgbClr val="D4D4D4"/>
+              </a:solidFill>
+              <a:effectLst/>
+              <a:latin typeface="Consolas" panose="020B0609020204030204" pitchFamily="49" charset="0"/>
+            </a:endParaRPr>
+          </a:p>
+          <a:p>
+            <a:endParaRPr lang="en-US" b="0" dirty="0">
+              <a:solidFill>
+                <a:srgbClr val="D4D4D4"/>
+              </a:solidFill>
+              <a:effectLst/>
+              <a:latin typeface="Consolas" panose="020B0609020204030204" pitchFamily="49" charset="0"/>
+            </a:endParaRPr>
+          </a:p>
+          <a:p>
+            <a:endParaRPr lang="en-GB" b="0" dirty="0">
+              <a:solidFill>
+                <a:srgbClr val="D4D4D4"/>
+              </a:solidFill>
+              <a:effectLst/>
+              <a:latin typeface="Consolas" panose="020B0609020204030204" pitchFamily="49" charset="0"/>
+            </a:endParaRPr>
+          </a:p>
+          <a:p>
+            <a:endParaRPr lang="en-US" dirty="0"/>
+          </a:p>
+        </p:txBody>
+      </p:sp>
+    </p:spTree>
+    <p:extLst>
+      <p:ext uri="{BB962C8B-B14F-4D97-AF65-F5344CB8AC3E}">
+        <p14:creationId xmlns:p14="http://schemas.microsoft.com/office/powerpoint/2010/main" val="3293656833"/>
+      </p:ext>
+    </p:extLst>
+  </p:cSld>
+  <p:clrMapOvr>
+    <a:masterClrMapping/>
+  </p:clrMapOvr>
+</p:sld>
+</file>
+
+<file path=ppt/slides/slide16.xml><?xml version="1.0" encoding="utf-8"?>
+<p:sld xmlns:a="http://schemas.openxmlformats.org/drawingml/2006/main" xmlns:r="http://schemas.openxmlformats.org/officeDocument/2006/relationships" xmlns:p="http://schemas.openxmlformats.org/presentationml/2006/main">
+  <p:cSld>
+    <p:spTree>
+      <p:nvGrpSpPr>
+        <p:cNvPr id="1" name=""/>
+        <p:cNvGrpSpPr/>
+        <p:nvPr/>
+      </p:nvGrpSpPr>
+      <p:grpSpPr>
+        <a:xfrm>
+          <a:off x="0" y="0"/>
+          <a:ext cx="0" cy="0"/>
+          <a:chOff x="0" y="0"/>
+          <a:chExt cx="0" cy="0"/>
+        </a:xfrm>
+      </p:grpSpPr>
+      <p:sp>
+        <p:nvSpPr>
+          <p:cNvPr id="2" name="TextBox 1">
+            <a:extLst>
+              <a:ext uri="{FF2B5EF4-FFF2-40B4-BE49-F238E27FC236}">
+                <a16:creationId xmlns:a16="http://schemas.microsoft.com/office/drawing/2014/main" id="{9EC28CA6-D6CA-157B-B80B-269C2E0C9786}"/>
+              </a:ext>
+            </a:extLst>
+          </p:cNvPr>
+          <p:cNvSpPr txBox="1"/>
+          <p:nvPr/>
+        </p:nvSpPr>
+        <p:spPr>
+          <a:xfrm>
+            <a:off x="927100" y="1346200"/>
+            <a:ext cx="10337800" cy="4493538"/>
+          </a:xfrm>
+          <a:prstGeom prst="rect">
+            <a:avLst/>
+          </a:prstGeom>
+          <a:noFill/>
+        </p:spPr>
+        <p:txBody>
+          <a:bodyPr wrap="square" rtlCol="0">
+            <a:spAutoFit/>
+          </a:bodyPr>
+          <a:lstStyle/>
+          <a:p>
+            <a:r>
+              <a:rPr lang="en-GB" sz="2400" dirty="0">
+                <a:latin typeface="Consolas" panose="020B0609020204030204" pitchFamily="49" charset="0"/>
+              </a:rPr>
+              <a:t>Status:</a:t>
+            </a:r>
+          </a:p>
+          <a:p>
+            <a:r>
+              <a:rPr lang="en-US" sz="2000" b="0" dirty="0">
+                <a:effectLst/>
+                <a:latin typeface="Consolas" panose="020B0609020204030204" pitchFamily="49" charset="0"/>
+              </a:rPr>
+              <a:t>$</a:t>
+            </a:r>
+            <a:r>
+              <a:rPr lang="en-US" sz="2000" b="0" dirty="0" err="1">
+                <a:effectLst/>
+                <a:latin typeface="Consolas" panose="020B0609020204030204" pitchFamily="49" charset="0"/>
+              </a:rPr>
+              <a:t>sql</a:t>
+            </a:r>
+            <a:r>
+              <a:rPr lang="en-US" sz="2000" b="0" dirty="0">
+                <a:effectLst/>
+                <a:latin typeface="Consolas" panose="020B0609020204030204" pitchFamily="49" charset="0"/>
+              </a:rPr>
+              <a:t> = "INSERT INTO `status` (`</a:t>
+            </a:r>
+            <a:r>
+              <a:rPr lang="en-US" sz="2000" b="0" dirty="0" err="1">
+                <a:effectLst/>
+                <a:latin typeface="Consolas" panose="020B0609020204030204" pitchFamily="49" charset="0"/>
+              </a:rPr>
+              <a:t>status_id</a:t>
+            </a:r>
+            <a:r>
+              <a:rPr lang="en-US" sz="2000" b="0" dirty="0">
+                <a:effectLst/>
+                <a:latin typeface="Consolas" panose="020B0609020204030204" pitchFamily="49" charset="0"/>
+              </a:rPr>
+              <a:t>`, `</a:t>
+            </a:r>
+            <a:r>
+              <a:rPr lang="en-US" sz="2000" b="0" dirty="0" err="1">
+                <a:effectLst/>
+                <a:latin typeface="Consolas" panose="020B0609020204030204" pitchFamily="49" charset="0"/>
+              </a:rPr>
+              <a:t>status_owner</a:t>
+            </a:r>
+            <a:r>
+              <a:rPr lang="en-US" sz="2000" b="0" dirty="0">
+                <a:effectLst/>
+                <a:latin typeface="Consolas" panose="020B0609020204030204" pitchFamily="49" charset="0"/>
+              </a:rPr>
+              <a:t>`, `</a:t>
+            </a:r>
+            <a:r>
+              <a:rPr lang="en-US" sz="2000" b="0" dirty="0" err="1">
+                <a:effectLst/>
+                <a:latin typeface="Consolas" panose="020B0609020204030204" pitchFamily="49" charset="0"/>
+              </a:rPr>
+              <a:t>status_content</a:t>
+            </a:r>
+            <a:r>
+              <a:rPr lang="en-US" sz="2000" b="0" dirty="0">
+                <a:effectLst/>
+                <a:latin typeface="Consolas" panose="020B0609020204030204" pitchFamily="49" charset="0"/>
+              </a:rPr>
+              <a:t>`, `</a:t>
+            </a:r>
+            <a:r>
+              <a:rPr lang="en-US" sz="2000" b="0" dirty="0" err="1">
+                <a:effectLst/>
+                <a:latin typeface="Consolas" panose="020B0609020204030204" pitchFamily="49" charset="0"/>
+              </a:rPr>
+              <a:t>status_date</a:t>
+            </a:r>
+            <a:r>
+              <a:rPr lang="en-US" sz="2000" b="0" dirty="0">
+                <a:effectLst/>
+                <a:latin typeface="Consolas" panose="020B0609020204030204" pitchFamily="49" charset="0"/>
+              </a:rPr>
+              <a:t>`) VALUES (NULL, '$username', '$</a:t>
+            </a:r>
+            <a:r>
+              <a:rPr lang="en-US" sz="2000" b="0" dirty="0" err="1">
+                <a:effectLst/>
+                <a:latin typeface="Consolas" panose="020B0609020204030204" pitchFamily="49" charset="0"/>
+              </a:rPr>
+              <a:t>status_desc</a:t>
+            </a:r>
+            <a:r>
+              <a:rPr lang="en-US" sz="2000" b="0" dirty="0">
+                <a:effectLst/>
+                <a:latin typeface="Consolas" panose="020B0609020204030204" pitchFamily="49" charset="0"/>
+              </a:rPr>
+              <a:t>' , </a:t>
+            </a:r>
+            <a:r>
+              <a:rPr lang="en-US" sz="2000" b="0" dirty="0" err="1">
+                <a:effectLst/>
+                <a:latin typeface="Consolas" panose="020B0609020204030204" pitchFamily="49" charset="0"/>
+              </a:rPr>
+              <a:t>current_timestamp</a:t>
+            </a:r>
+            <a:r>
+              <a:rPr lang="en-US" sz="2000" b="0" dirty="0">
+                <a:effectLst/>
+                <a:latin typeface="Consolas" panose="020B0609020204030204" pitchFamily="49" charset="0"/>
+              </a:rPr>
+              <a:t>());";</a:t>
+            </a:r>
+          </a:p>
+          <a:p>
+            <a:endParaRPr lang="en-US" b="0" dirty="0">
+              <a:solidFill>
+                <a:srgbClr val="D4D4D4"/>
+              </a:solidFill>
+              <a:effectLst/>
+              <a:latin typeface="Consolas" panose="020B0609020204030204" pitchFamily="49" charset="0"/>
+            </a:endParaRPr>
+          </a:p>
+          <a:p>
+            <a:pPr marL="285750" indent="-285750">
+              <a:buFont typeface="Arial" panose="020B0604020202020204" pitchFamily="34" charset="0"/>
+              <a:buChar char="•"/>
+            </a:pPr>
+            <a:r>
+              <a:rPr lang="en-US" sz="2400" b="0" dirty="0">
+                <a:effectLst/>
+                <a:latin typeface="Consolas" panose="020B0609020204030204" pitchFamily="49" charset="0"/>
+              </a:rPr>
+              <a:t>Own status:</a:t>
+            </a:r>
+          </a:p>
+          <a:p>
+            <a:r>
+              <a:rPr lang="en-GB" sz="2000" b="0" dirty="0">
+                <a:effectLst/>
+                <a:latin typeface="Consolas" panose="020B0609020204030204" pitchFamily="49" charset="0"/>
+              </a:rPr>
+              <a:t>$</a:t>
+            </a:r>
+            <a:r>
+              <a:rPr lang="en-GB" sz="2000" b="0" dirty="0" err="1">
+                <a:effectLst/>
+                <a:latin typeface="Consolas" panose="020B0609020204030204" pitchFamily="49" charset="0"/>
+              </a:rPr>
+              <a:t>own_status_sql</a:t>
+            </a:r>
+            <a:r>
+              <a:rPr lang="en-GB" sz="2000" b="0" dirty="0">
+                <a:effectLst/>
+                <a:latin typeface="Consolas" panose="020B0609020204030204" pitchFamily="49" charset="0"/>
+              </a:rPr>
+              <a:t> = "SELECT * FROM `status` WHERE </a:t>
+            </a:r>
+            <a:r>
+              <a:rPr lang="en-GB" sz="2000" b="0" dirty="0" err="1">
+                <a:effectLst/>
+                <a:latin typeface="Consolas" panose="020B0609020204030204" pitchFamily="49" charset="0"/>
+              </a:rPr>
+              <a:t>status_owner</a:t>
+            </a:r>
+            <a:r>
+              <a:rPr lang="en-GB" sz="2000" b="0" dirty="0">
+                <a:effectLst/>
+                <a:latin typeface="Consolas" panose="020B0609020204030204" pitchFamily="49" charset="0"/>
+              </a:rPr>
+              <a:t> = '$username' ORDER BY </a:t>
+            </a:r>
+            <a:r>
+              <a:rPr lang="en-GB" sz="2000" b="0" dirty="0" err="1">
+                <a:effectLst/>
+                <a:latin typeface="Consolas" panose="020B0609020204030204" pitchFamily="49" charset="0"/>
+              </a:rPr>
+              <a:t>status_date</a:t>
+            </a:r>
+            <a:r>
+              <a:rPr lang="en-GB" sz="2000" b="0" dirty="0">
+                <a:effectLst/>
+                <a:latin typeface="Consolas" panose="020B0609020204030204" pitchFamily="49" charset="0"/>
+              </a:rPr>
+              <a:t> DESC LIMIT 1";</a:t>
+            </a:r>
+          </a:p>
+          <a:p>
+            <a:endParaRPr lang="en-GB" b="0" dirty="0">
+              <a:solidFill>
+                <a:srgbClr val="D4D4D4"/>
+              </a:solidFill>
+              <a:effectLst/>
+              <a:latin typeface="Consolas" panose="020B0609020204030204" pitchFamily="49" charset="0"/>
+            </a:endParaRPr>
+          </a:p>
+          <a:p>
+            <a:pPr marL="285750" indent="-285750">
+              <a:buFont typeface="Arial" panose="020B0604020202020204" pitchFamily="34" charset="0"/>
+              <a:buChar char="•"/>
+            </a:pPr>
+            <a:r>
+              <a:rPr lang="en-US" sz="2400" dirty="0">
+                <a:latin typeface="Consolas" panose="020B0609020204030204" pitchFamily="49" charset="0"/>
+              </a:rPr>
+              <a:t>Friends status:</a:t>
+            </a:r>
+          </a:p>
+          <a:p>
+            <a:r>
+              <a:rPr lang="en-GB" sz="2000" b="0" dirty="0">
+                <a:effectLst/>
+                <a:latin typeface="Consolas" panose="020B0609020204030204" pitchFamily="49" charset="0"/>
+              </a:rPr>
+              <a:t>$</a:t>
+            </a:r>
+            <a:r>
+              <a:rPr lang="en-GB" sz="2000" b="0" dirty="0" err="1">
+                <a:effectLst/>
+                <a:latin typeface="Consolas" panose="020B0609020204030204" pitchFamily="49" charset="0"/>
+              </a:rPr>
+              <a:t>friends_status_sql</a:t>
+            </a:r>
+            <a:r>
+              <a:rPr lang="en-GB" sz="2000" b="0" dirty="0">
+                <a:effectLst/>
+                <a:latin typeface="Consolas" panose="020B0609020204030204" pitchFamily="49" charset="0"/>
+              </a:rPr>
+              <a:t> = "SELECT * FROM `status` WHERE </a:t>
+            </a:r>
+            <a:r>
+              <a:rPr lang="en-GB" sz="2000" b="0" dirty="0" err="1">
+                <a:effectLst/>
+                <a:latin typeface="Consolas" panose="020B0609020204030204" pitchFamily="49" charset="0"/>
+              </a:rPr>
+              <a:t>status_owner</a:t>
+            </a:r>
+            <a:r>
+              <a:rPr lang="en-GB" sz="2000" b="0" dirty="0">
+                <a:effectLst/>
+                <a:latin typeface="Consolas" panose="020B0609020204030204" pitchFamily="49" charset="0"/>
+              </a:rPr>
+              <a:t> IN ((SELECT </a:t>
+            </a:r>
+            <a:r>
+              <a:rPr lang="en-GB" sz="2000" b="0" dirty="0" err="1">
+                <a:effectLst/>
+                <a:latin typeface="Consolas" panose="020B0609020204030204" pitchFamily="49" charset="0"/>
+              </a:rPr>
+              <a:t>to_friend</a:t>
+            </a:r>
+            <a:r>
+              <a:rPr lang="en-GB" sz="2000" b="0" dirty="0">
+                <a:effectLst/>
+                <a:latin typeface="Consolas" panose="020B0609020204030204" pitchFamily="49" charset="0"/>
+              </a:rPr>
+              <a:t> FROM `friends` WHERE </a:t>
+            </a:r>
+            <a:r>
+              <a:rPr lang="en-GB" sz="2000" b="0" dirty="0" err="1">
+                <a:effectLst/>
+                <a:latin typeface="Consolas" panose="020B0609020204030204" pitchFamily="49" charset="0"/>
+              </a:rPr>
+              <a:t>from_friend</a:t>
+            </a:r>
+            <a:r>
+              <a:rPr lang="en-GB" sz="2000" b="0" dirty="0">
+                <a:effectLst/>
+                <a:latin typeface="Consolas" panose="020B0609020204030204" pitchFamily="49" charset="0"/>
+              </a:rPr>
+              <a:t>='$username')) ORDER BY </a:t>
+            </a:r>
+            <a:r>
+              <a:rPr lang="en-GB" sz="2000" b="0" dirty="0" err="1">
+                <a:effectLst/>
+                <a:latin typeface="Consolas" panose="020B0609020204030204" pitchFamily="49" charset="0"/>
+              </a:rPr>
+              <a:t>status_date</a:t>
+            </a:r>
+            <a:r>
+              <a:rPr lang="en-GB" sz="2000" b="0" dirty="0">
+                <a:effectLst/>
+                <a:latin typeface="Consolas" panose="020B0609020204030204" pitchFamily="49" charset="0"/>
+              </a:rPr>
+              <a:t> DESC LIMIT 10;";</a:t>
+            </a:r>
+          </a:p>
+          <a:p>
+            <a:endParaRPr lang="en-US" dirty="0"/>
+          </a:p>
+        </p:txBody>
+      </p:sp>
+      <p:sp>
+        <p:nvSpPr>
+          <p:cNvPr id="3" name="TextBox 2">
+            <a:extLst>
+              <a:ext uri="{FF2B5EF4-FFF2-40B4-BE49-F238E27FC236}">
+                <a16:creationId xmlns:a16="http://schemas.microsoft.com/office/drawing/2014/main" id="{C9C463BD-BC28-F9F7-4745-B0016B47DCFF}"/>
+              </a:ext>
+            </a:extLst>
+          </p:cNvPr>
+          <p:cNvSpPr txBox="1"/>
+          <p:nvPr/>
+        </p:nvSpPr>
+        <p:spPr>
+          <a:xfrm>
+            <a:off x="5672666" y="204801"/>
+            <a:ext cx="1024466" cy="461665"/>
+          </a:xfrm>
+          <a:prstGeom prst="rect">
+            <a:avLst/>
+          </a:prstGeom>
+          <a:noFill/>
+        </p:spPr>
+        <p:txBody>
+          <a:bodyPr wrap="square" rtlCol="0">
+            <a:spAutoFit/>
+          </a:bodyPr>
+          <a:lstStyle/>
+          <a:p>
+            <a:r>
+              <a:rPr lang="en-GB" sz="2400" b="1" dirty="0"/>
+              <a:t>SQL</a:t>
+            </a:r>
+            <a:endParaRPr lang="en-US" sz="2400" b="1" dirty="0"/>
+          </a:p>
+        </p:txBody>
+      </p:sp>
+    </p:spTree>
+    <p:extLst>
+      <p:ext uri="{BB962C8B-B14F-4D97-AF65-F5344CB8AC3E}">
+        <p14:creationId xmlns:p14="http://schemas.microsoft.com/office/powerpoint/2010/main" val="331384036"/>
+      </p:ext>
+    </p:extLst>
+  </p:cSld>
+  <p:clrMapOvr>
+    <a:masterClrMapping/>
+  </p:clrMapOvr>
+</p:sld>
+</file>
+
+<file path=ppt/slides/slide17.xml><?xml version="1.0" encoding="utf-8"?>
+<p:sld xmlns:a="http://schemas.openxmlformats.org/drawingml/2006/main" xmlns:r="http://schemas.openxmlformats.org/officeDocument/2006/relationships" xmlns:p="http://schemas.openxmlformats.org/presentationml/2006/main">
+  <p:cSld>
+    <p:bg>
+      <p:bgPr>
+        <a:solidFill>
+          <a:schemeClr val="bg1"/>
+        </a:solidFill>
+        <a:effectLst/>
+      </p:bgPr>
+    </p:bg>
+    <p:spTree>
+      <p:nvGrpSpPr>
+        <p:cNvPr id="1" name=""/>
+        <p:cNvGrpSpPr/>
+        <p:nvPr/>
+      </p:nvGrpSpPr>
+      <p:grpSpPr>
+        <a:xfrm>
+          <a:off x="0" y="0"/>
+          <a:ext cx="0" cy="0"/>
+          <a:chOff x="0" y="0"/>
+          <a:chExt cx="0" cy="0"/>
+        </a:xfrm>
+      </p:grpSpPr>
+      <p:sp>
+        <p:nvSpPr>
+          <p:cNvPr id="2" name="TextBox 1">
+            <a:extLst>
+              <a:ext uri="{FF2B5EF4-FFF2-40B4-BE49-F238E27FC236}">
+                <a16:creationId xmlns:a16="http://schemas.microsoft.com/office/drawing/2014/main" id="{2394BDF8-EFE6-5632-DB8E-7AC65845C1E6}"/>
+              </a:ext>
+            </a:extLst>
+          </p:cNvPr>
+          <p:cNvSpPr txBox="1"/>
+          <p:nvPr/>
+        </p:nvSpPr>
+        <p:spPr>
+          <a:xfrm>
+            <a:off x="584200" y="1562100"/>
+            <a:ext cx="11137900" cy="3077766"/>
+          </a:xfrm>
+          <a:prstGeom prst="rect">
+            <a:avLst/>
+          </a:prstGeom>
+          <a:noFill/>
+        </p:spPr>
+        <p:txBody>
+          <a:bodyPr wrap="square" rtlCol="0">
+            <a:spAutoFit/>
+          </a:bodyPr>
+          <a:lstStyle/>
+          <a:p>
+            <a:r>
+              <a:rPr lang="en-GB" sz="2400" dirty="0">
+                <a:latin typeface="Consolas" panose="020B0609020204030204" pitchFamily="49" charset="0"/>
+              </a:rPr>
+              <a:t>Friend:</a:t>
+            </a:r>
+          </a:p>
+          <a:p>
+            <a:r>
+              <a:rPr lang="en-GB" sz="2000" b="0" dirty="0">
+                <a:effectLst/>
+                <a:latin typeface="Consolas" panose="020B0609020204030204" pitchFamily="49" charset="0"/>
+              </a:rPr>
+              <a:t>$</a:t>
+            </a:r>
+            <a:r>
+              <a:rPr lang="en-GB" sz="2000" b="0" dirty="0" err="1">
+                <a:effectLst/>
+                <a:latin typeface="Consolas" panose="020B0609020204030204" pitchFamily="49" charset="0"/>
+              </a:rPr>
+              <a:t>friends_list</a:t>
+            </a:r>
+            <a:r>
+              <a:rPr lang="en-GB" sz="2000" b="0" dirty="0">
+                <a:effectLst/>
+                <a:latin typeface="Consolas" panose="020B0609020204030204" pitchFamily="49" charset="0"/>
+              </a:rPr>
+              <a:t> = "SELECT </a:t>
+            </a:r>
+            <a:r>
+              <a:rPr lang="en-GB" sz="2000" b="0" dirty="0" err="1">
+                <a:effectLst/>
+                <a:latin typeface="Consolas" panose="020B0609020204030204" pitchFamily="49" charset="0"/>
+              </a:rPr>
+              <a:t>from_friend,to_friend,added_date</a:t>
+            </a:r>
+            <a:r>
+              <a:rPr lang="en-GB" sz="2000" b="0" dirty="0">
+                <a:effectLst/>
+                <a:latin typeface="Consolas" panose="020B0609020204030204" pitchFamily="49" charset="0"/>
+              </a:rPr>
+              <a:t> FROM `friends` WHERE </a:t>
+            </a:r>
+            <a:r>
+              <a:rPr lang="en-GB" sz="2000" b="0" dirty="0" err="1">
+                <a:effectLst/>
+                <a:latin typeface="Consolas" panose="020B0609020204030204" pitchFamily="49" charset="0"/>
+              </a:rPr>
+              <a:t>from_friend</a:t>
+            </a:r>
+            <a:r>
+              <a:rPr lang="en-GB" sz="2000" b="0" dirty="0">
+                <a:effectLst/>
+                <a:latin typeface="Consolas" panose="020B0609020204030204" pitchFamily="49" charset="0"/>
+              </a:rPr>
+              <a:t>='$username’”;</a:t>
+            </a:r>
+          </a:p>
+          <a:p>
+            <a:endParaRPr lang="en-GB" sz="2400" b="0" dirty="0">
+              <a:solidFill>
+                <a:srgbClr val="D4D4D4"/>
+              </a:solidFill>
+              <a:effectLst/>
+              <a:latin typeface="Consolas" panose="020B0609020204030204" pitchFamily="49" charset="0"/>
+            </a:endParaRPr>
+          </a:p>
+          <a:p>
+            <a:endParaRPr lang="en-GB" sz="2400" dirty="0">
+              <a:solidFill>
+                <a:srgbClr val="D4D4D4"/>
+              </a:solidFill>
+              <a:latin typeface="Consolas" panose="020B0609020204030204" pitchFamily="49" charset="0"/>
+            </a:endParaRPr>
+          </a:p>
+          <a:p>
+            <a:r>
+              <a:rPr lang="en-GB" sz="2400" b="0" dirty="0">
+                <a:effectLst/>
+                <a:latin typeface="Consolas" panose="020B0609020204030204" pitchFamily="49" charset="0"/>
+              </a:rPr>
+              <a:t>Message :</a:t>
+            </a:r>
+          </a:p>
+          <a:p>
+            <a:r>
+              <a:rPr lang="en-GB" sz="2000" b="0" dirty="0">
+                <a:solidFill>
+                  <a:srgbClr val="D4D4D4"/>
+                </a:solidFill>
+                <a:effectLst/>
+                <a:latin typeface="Consolas" panose="020B0609020204030204" pitchFamily="49" charset="0"/>
+              </a:rPr>
+              <a:t>  </a:t>
+            </a:r>
+            <a:r>
+              <a:rPr lang="en-GB" sz="2000" b="0" dirty="0">
+                <a:effectLst/>
+                <a:latin typeface="Consolas" panose="020B0609020204030204" pitchFamily="49" charset="0"/>
+              </a:rPr>
+              <a:t>  $</a:t>
+            </a:r>
+            <a:r>
+              <a:rPr lang="en-GB" sz="2000" b="0" dirty="0" err="1">
+                <a:effectLst/>
+                <a:latin typeface="Consolas" panose="020B0609020204030204" pitchFamily="49" charset="0"/>
+              </a:rPr>
+              <a:t>sql</a:t>
+            </a:r>
+            <a:r>
+              <a:rPr lang="en-GB" sz="2000" b="0" dirty="0">
+                <a:effectLst/>
+                <a:latin typeface="Consolas" panose="020B0609020204030204" pitchFamily="49" charset="0"/>
+              </a:rPr>
+              <a:t> = "SELECT </a:t>
+            </a:r>
+            <a:r>
+              <a:rPr lang="en-GB" sz="2000" b="0" dirty="0" err="1">
+                <a:effectLst/>
+                <a:latin typeface="Consolas" panose="020B0609020204030204" pitchFamily="49" charset="0"/>
+              </a:rPr>
+              <a:t>to_friend,msg_time,msg_desc</a:t>
+            </a:r>
+            <a:r>
+              <a:rPr lang="en-GB" sz="2000" b="0" dirty="0">
+                <a:effectLst/>
+                <a:latin typeface="Consolas" panose="020B0609020204030204" pitchFamily="49" charset="0"/>
+              </a:rPr>
+              <a:t>  FROM `message`  WHERE </a:t>
+            </a:r>
+            <a:r>
+              <a:rPr lang="en-GB" sz="2000" b="0" dirty="0" err="1">
+                <a:effectLst/>
+                <a:latin typeface="Consolas" panose="020B0609020204030204" pitchFamily="49" charset="0"/>
+              </a:rPr>
+              <a:t>conversion_id</a:t>
+            </a:r>
+            <a:r>
+              <a:rPr lang="en-GB" sz="2000" b="0" dirty="0">
+                <a:effectLst/>
+                <a:latin typeface="Consolas" panose="020B0609020204030204" pitchFamily="49" charset="0"/>
+              </a:rPr>
+              <a:t>=$id  ORDER BY </a:t>
+            </a:r>
+            <a:r>
+              <a:rPr lang="en-GB" sz="2000" b="0" dirty="0" err="1">
+                <a:effectLst/>
+                <a:latin typeface="Consolas" panose="020B0609020204030204" pitchFamily="49" charset="0"/>
+              </a:rPr>
+              <a:t>msg_time</a:t>
+            </a:r>
+            <a:r>
+              <a:rPr lang="en-GB" sz="2000" b="0" dirty="0">
+                <a:effectLst/>
+                <a:latin typeface="Consolas" panose="020B0609020204030204" pitchFamily="49" charset="0"/>
+              </a:rPr>
+              <a:t> DESC LIMIT 1";</a:t>
+            </a:r>
+          </a:p>
+          <a:p>
+            <a:endParaRPr lang="en-US" dirty="0"/>
+          </a:p>
+        </p:txBody>
+      </p:sp>
+      <p:sp>
+        <p:nvSpPr>
+          <p:cNvPr id="3" name="TextBox 2">
+            <a:extLst>
+              <a:ext uri="{FF2B5EF4-FFF2-40B4-BE49-F238E27FC236}">
+                <a16:creationId xmlns:a16="http://schemas.microsoft.com/office/drawing/2014/main" id="{8B56C7B3-7270-C41B-3C72-3C2635BA5242}"/>
+              </a:ext>
+            </a:extLst>
+          </p:cNvPr>
+          <p:cNvSpPr txBox="1"/>
+          <p:nvPr/>
+        </p:nvSpPr>
+        <p:spPr>
+          <a:xfrm>
+            <a:off x="5672666" y="204801"/>
+            <a:ext cx="1024466" cy="461665"/>
+          </a:xfrm>
+          <a:prstGeom prst="rect">
+            <a:avLst/>
+          </a:prstGeom>
+          <a:noFill/>
+        </p:spPr>
+        <p:txBody>
+          <a:bodyPr wrap="square" rtlCol="0">
+            <a:spAutoFit/>
+          </a:bodyPr>
+          <a:lstStyle/>
+          <a:p>
+            <a:r>
+              <a:rPr lang="en-GB" sz="2400" b="1" dirty="0"/>
+              <a:t>SQL</a:t>
+            </a:r>
+            <a:endParaRPr lang="en-US" sz="2400" b="1" dirty="0"/>
+          </a:p>
+        </p:txBody>
+      </p:sp>
+    </p:spTree>
+    <p:extLst>
+      <p:ext uri="{BB962C8B-B14F-4D97-AF65-F5344CB8AC3E}">
+        <p14:creationId xmlns:p14="http://schemas.microsoft.com/office/powerpoint/2010/main" val="3950484098"/>
+      </p:ext>
+    </p:extLst>
+  </p:cSld>
+  <p:clrMapOvr>
+    <a:masterClrMapping/>
+  </p:clrMapOvr>
+</p:sld>
+</file>
+
+<file path=ppt/slides/slide18.xml><?xml version="1.0" encoding="utf-8"?>
 <p:sld xmlns:a="http://schemas.openxmlformats.org/drawingml/2006/main" xmlns:r="http://schemas.openxmlformats.org/officeDocument/2006/relationships" xmlns:p="http://schemas.openxmlformats.org/presentationml/2006/main">
   <p:cSld>
     <p:bg>
@@ -4727,6 +5977,108 @@
     <p:extLst>
       <p:ext uri="{BB962C8B-B14F-4D97-AF65-F5344CB8AC3E}">
         <p14:creationId xmlns:p14="http://schemas.microsoft.com/office/powerpoint/2010/main" val="395310684"/>
+      </p:ext>
+    </p:extLst>
+  </p:cSld>
+  <p:clrMapOvr>
+    <a:masterClrMapping/>
+  </p:clrMapOvr>
+</p:sld>
+</file>
+
+<file path=ppt/slides/slide19.xml><?xml version="1.0" encoding="utf-8"?>
+<p:sld xmlns:a="http://schemas.openxmlformats.org/drawingml/2006/main" xmlns:r="http://schemas.openxmlformats.org/officeDocument/2006/relationships" xmlns:p="http://schemas.openxmlformats.org/presentationml/2006/main">
+  <p:cSld>
+    <p:spTree>
+      <p:nvGrpSpPr>
+        <p:cNvPr id="1" name=""/>
+        <p:cNvGrpSpPr/>
+        <p:nvPr/>
+      </p:nvGrpSpPr>
+      <p:grpSpPr>
+        <a:xfrm>
+          <a:off x="0" y="0"/>
+          <a:ext cx="0" cy="0"/>
+          <a:chOff x="0" y="0"/>
+          <a:chExt cx="0" cy="0"/>
+        </a:xfrm>
+      </p:grpSpPr>
+      <p:pic>
+        <p:nvPicPr>
+          <p:cNvPr id="3" name="Picture 2">
+            <a:extLst>
+              <a:ext uri="{FF2B5EF4-FFF2-40B4-BE49-F238E27FC236}">
+                <a16:creationId xmlns:a16="http://schemas.microsoft.com/office/drawing/2014/main" id="{15F7D675-B4E4-2EB7-221D-35994521E915}"/>
+              </a:ext>
+            </a:extLst>
+          </p:cNvPr>
+          <p:cNvPicPr>
+            <a:picLocks noChangeAspect="1"/>
+          </p:cNvPicPr>
+          <p:nvPr/>
+        </p:nvPicPr>
+        <p:blipFill>
+          <a:blip r:embed="rId2">
+            <a:extLst>
+              <a:ext uri="{837473B0-CC2E-450A-ABE3-18F120FF3D39}">
+                <a1611:picAttrSrcUrl xmlns:a1611="http://schemas.microsoft.com/office/drawing/2016/11/main" r:id="rId3"/>
+              </a:ext>
+            </a:extLst>
+          </a:blip>
+          <a:stretch>
+            <a:fillRect/>
+          </a:stretch>
+        </p:blipFill>
+        <p:spPr>
+          <a:xfrm>
+            <a:off x="1389529" y="0"/>
+            <a:ext cx="6858000" cy="6858000"/>
+          </a:xfrm>
+          <a:prstGeom prst="rect">
+            <a:avLst/>
+          </a:prstGeom>
+        </p:spPr>
+      </p:pic>
+      <p:sp>
+        <p:nvSpPr>
+          <p:cNvPr id="4" name="TextBox 3">
+            <a:extLst>
+              <a:ext uri="{FF2B5EF4-FFF2-40B4-BE49-F238E27FC236}">
+                <a16:creationId xmlns:a16="http://schemas.microsoft.com/office/drawing/2014/main" id="{D0B0C760-FE5E-76BA-29E6-DE40060268CF}"/>
+              </a:ext>
+            </a:extLst>
+          </p:cNvPr>
+          <p:cNvSpPr txBox="1"/>
+          <p:nvPr/>
+        </p:nvSpPr>
+        <p:spPr>
+          <a:xfrm>
+            <a:off x="8108576" y="1035424"/>
+            <a:ext cx="3805518" cy="584775"/>
+          </a:xfrm>
+          <a:prstGeom prst="rect">
+            <a:avLst/>
+          </a:prstGeom>
+          <a:noFill/>
+        </p:spPr>
+        <p:txBody>
+          <a:bodyPr wrap="square" rtlCol="0">
+            <a:spAutoFit/>
+          </a:bodyPr>
+          <a:lstStyle/>
+          <a:p>
+            <a:r>
+              <a:rPr lang="en-GB" sz="3200" b="1" i="1" dirty="0"/>
+              <a:t>Any Question?</a:t>
+            </a:r>
+            <a:endParaRPr lang="en-US" sz="3200" b="1" i="1" dirty="0"/>
+          </a:p>
+        </p:txBody>
+      </p:sp>
+    </p:spTree>
+    <p:extLst>
+      <p:ext uri="{BB962C8B-B14F-4D97-AF65-F5344CB8AC3E}">
+        <p14:creationId xmlns:p14="http://schemas.microsoft.com/office/powerpoint/2010/main" val="1911573550"/>
       </p:ext>
     </p:extLst>
   </p:cSld>
@@ -5917,7 +7269,15 @@
             </a:pPr>
             <a:r>
               <a:rPr lang="en-US" dirty="0"/>
-              <a:t>Learning and increasing my skill in PHP and MYSQL.</a:t>
+              <a:t>Learning and increasing </a:t>
+            </a:r>
+            <a:r>
+              <a:rPr lang="en-US" dirty="0" err="1"/>
+              <a:t>our’s</a:t>
+            </a:r>
+            <a:r>
+              <a:rPr lang="en-US" dirty="0"/>
+              <a:t> skills in PHP and MYSQL.</a:t>
             </a:r>
           </a:p>
         </p:txBody>
@@ -6069,7 +7429,7 @@
     </p:tnLst>
     <p:bldLst>
       <p:bldP spid="2" grpId="0"/>
-      <p:bldP spid="4" grpId="0"/>
+      <p:bldP spid="4" grpId="0" animBg="1"/>
     </p:bldLst>
   </p:timing>
 </p:sld>
@@ -8267,41 +9627,6 @@
 <file path=ppt/slides/slide9.xml><?xml version="1.0" encoding="utf-8"?>
 <p:sld xmlns:a="http://schemas.openxmlformats.org/drawingml/2006/main" xmlns:r="http://schemas.openxmlformats.org/officeDocument/2006/relationships" xmlns:p="http://schemas.openxmlformats.org/presentationml/2006/main">
   <p:cSld>
-    <p:bg>
-      <p:bgPr>
-        <a:gradFill flip="none" rotWithShape="1">
-          <a:gsLst>
-            <a:gs pos="0">
-              <a:schemeClr val="accent4">
-                <a:lumMod val="5000"/>
-                <a:lumOff val="95000"/>
-              </a:schemeClr>
-            </a:gs>
-            <a:gs pos="74000">
-              <a:schemeClr val="accent4">
-                <a:lumMod val="45000"/>
-                <a:lumOff val="55000"/>
-              </a:schemeClr>
-            </a:gs>
-            <a:gs pos="83000">
-              <a:schemeClr val="accent4">
-                <a:lumMod val="45000"/>
-                <a:lumOff val="55000"/>
-              </a:schemeClr>
-            </a:gs>
-            <a:gs pos="100000">
-              <a:schemeClr val="accent4">
-                <a:lumMod val="30000"/>
-                <a:lumOff val="70000"/>
-              </a:schemeClr>
-            </a:gs>
-          </a:gsLst>
-          <a:lin ang="5400000" scaled="1"/>
-          <a:tileRect/>
-        </a:gradFill>
-        <a:effectLst/>
-      </p:bgPr>
-    </p:bg>
     <p:spTree>
       <p:nvGrpSpPr>
         <p:cNvPr id="1" name=""/>
@@ -8316,47 +9641,12 @@
           <a:chExt cx="0" cy="0"/>
         </a:xfrm>
       </p:grpSpPr>
-      <p:sp>
-        <p:nvSpPr>
-          <p:cNvPr id="2" name="TextBox 1">
-            <a:extLst>
-              <a:ext uri="{FF2B5EF4-FFF2-40B4-BE49-F238E27FC236}">
-                <a16:creationId xmlns:a16="http://schemas.microsoft.com/office/drawing/2014/main" id="{7F6EA1BF-6C69-29B9-E983-1756C514E750}"/>
-              </a:ext>
-            </a:extLst>
-          </p:cNvPr>
-          <p:cNvSpPr txBox="1"/>
-          <p:nvPr/>
-        </p:nvSpPr>
-        <p:spPr>
-          <a:xfrm>
-            <a:off x="4900773" y="482885"/>
-            <a:ext cx="3010328" cy="461665"/>
-          </a:xfrm>
-          <a:prstGeom prst="rect">
-            <a:avLst/>
-          </a:prstGeom>
-          <a:noFill/>
-        </p:spPr>
-        <p:txBody>
-          <a:bodyPr wrap="square" rtlCol="0">
-            <a:spAutoFit/>
-          </a:bodyPr>
-          <a:lstStyle/>
-          <a:p>
-            <a:r>
-              <a:rPr lang="en-US" sz="2400" b="1" dirty="0"/>
-              <a:t>Status comments</a:t>
-            </a:r>
-          </a:p>
-        </p:txBody>
-      </p:sp>
       <p:pic>
         <p:nvPicPr>
-          <p:cNvPr id="3" name="Picture 2">
-            <a:extLst>
-              <a:ext uri="{FF2B5EF4-FFF2-40B4-BE49-F238E27FC236}">
-                <a16:creationId xmlns:a16="http://schemas.microsoft.com/office/drawing/2014/main" id="{154EAB31-EDB0-5DA1-E574-73E5377C75F4}"/>
+          <p:cNvPr id="4" name="Picture 3">
+            <a:extLst>
+              <a:ext uri="{FF2B5EF4-FFF2-40B4-BE49-F238E27FC236}">
+                <a16:creationId xmlns:a16="http://schemas.microsoft.com/office/drawing/2014/main" id="{9E546904-97F7-FEEC-7CC3-26FE59D28A52}"/>
               </a:ext>
             </a:extLst>
           </p:cNvPr>
@@ -8373,18 +9663,54 @@
         </p:blipFill>
         <p:spPr>
           <a:xfrm>
-            <a:off x="0" y="1883302"/>
-            <a:ext cx="12130344" cy="4332563"/>
+            <a:off x="0" y="1010022"/>
+            <a:ext cx="12192000" cy="4837956"/>
           </a:xfrm>
           <a:prstGeom prst="rect">
             <a:avLst/>
           </a:prstGeom>
         </p:spPr>
       </p:pic>
+      <p:sp>
+        <p:nvSpPr>
+          <p:cNvPr id="5" name="TextBox 4">
+            <a:extLst>
+              <a:ext uri="{FF2B5EF4-FFF2-40B4-BE49-F238E27FC236}">
+                <a16:creationId xmlns:a16="http://schemas.microsoft.com/office/drawing/2014/main" id="{9913DB9D-4F9C-D09B-8F07-9B94A1234FC2}"/>
+              </a:ext>
+            </a:extLst>
+          </p:cNvPr>
+          <p:cNvSpPr txBox="1"/>
+          <p:nvPr/>
+        </p:nvSpPr>
+        <p:spPr>
+          <a:xfrm>
+            <a:off x="5672666" y="204801"/>
+            <a:ext cx="1024466" cy="461665"/>
+          </a:xfrm>
+          <a:prstGeom prst="rect">
+            <a:avLst/>
+          </a:prstGeom>
+          <a:noFill/>
+        </p:spPr>
+        <p:txBody>
+          <a:bodyPr wrap="square" rtlCol="0">
+            <a:spAutoFit/>
+          </a:bodyPr>
+          <a:lstStyle/>
+          <a:p>
+            <a:r>
+              <a:rPr lang="en-GB" sz="2400" b="1" dirty="0"/>
+              <a:t>SQL</a:t>
+            </a:r>
+            <a:endParaRPr lang="en-US" sz="2400" b="1" dirty="0"/>
+          </a:p>
+        </p:txBody>
+      </p:sp>
     </p:spTree>
     <p:extLst>
       <p:ext uri="{BB962C8B-B14F-4D97-AF65-F5344CB8AC3E}">
-        <p14:creationId xmlns:p14="http://schemas.microsoft.com/office/powerpoint/2010/main" val="1345467360"/>
+        <p14:creationId xmlns:p14="http://schemas.microsoft.com/office/powerpoint/2010/main" val="1531968319"/>
       </p:ext>
     </p:extLst>
   </p:cSld>
